--- a/Stage/Soutenance/presentation_soutenance.pptx
+++ b/Stage/Soutenance/presentation_soutenance.pptx
@@ -4,8 +4,13 @@
   <p:sldMasterIdLst>
     <p:sldMasterId id="2147483648" r:id="rId1"/>
   </p:sldMasterIdLst>
+  <p:notesMasterIdLst>
+    <p:notesMasterId r:id="rId5"/>
+  </p:notesMasterIdLst>
   <p:sldIdLst>
     <p:sldId id="256" r:id="rId2"/>
+    <p:sldId id="257" r:id="rId3"/>
+    <p:sldId id="258" r:id="rId4"/>
   </p:sldIdLst>
   <p:sldSz cx="12192000" cy="6858000"/>
   <p:notesSz cx="6858000" cy="9144000"/>
@@ -104,7 +109,361 @@
       </a:defRPr>
     </a:lvl9pPr>
   </p:defaultTextStyle>
+  <p:extLst>
+    <p:ext uri="{EFAFB233-063F-42B5-8137-9DF3F51BA10A}">
+      <p15:sldGuideLst xmlns:p15="http://schemas.microsoft.com/office/powerpoint/2012/main"/>
+    </p:ext>
+  </p:extLst>
 </p:presentation>
+</file>
+
+<file path=ppt/notesMasters/notesMaster1.xml><?xml version="1.0" encoding="utf-8"?>
+<p:notesMaster xmlns:a="http://schemas.openxmlformats.org/drawingml/2006/main" xmlns:r="http://schemas.openxmlformats.org/officeDocument/2006/relationships" xmlns:p="http://schemas.openxmlformats.org/presentationml/2006/main">
+  <p:cSld>
+    <p:bg>
+      <p:bgRef idx="1001">
+        <a:schemeClr val="bg1"/>
+      </p:bgRef>
+    </p:bg>
+    <p:spTree>
+      <p:nvGrpSpPr>
+        <p:cNvPr id="1" name=""/>
+        <p:cNvGrpSpPr/>
+        <p:nvPr/>
+      </p:nvGrpSpPr>
+      <p:grpSpPr>
+        <a:xfrm>
+          <a:off x="0" y="0"/>
+          <a:ext cx="0" cy="0"/>
+          <a:chOff x="0" y="0"/>
+          <a:chExt cx="0" cy="0"/>
+        </a:xfrm>
+      </p:grpSpPr>
+      <p:sp>
+        <p:nvSpPr>
+          <p:cNvPr id="2" name="Espace réservé de l'en-tête 1"/>
+          <p:cNvSpPr>
+            <a:spLocks noGrp="1"/>
+          </p:cNvSpPr>
+          <p:nvPr>
+            <p:ph type="hdr" sz="quarter"/>
+          </p:nvPr>
+        </p:nvSpPr>
+        <p:spPr>
+          <a:xfrm>
+            <a:off x="0" y="0"/>
+            <a:ext cx="2971800" cy="458788"/>
+          </a:xfrm>
+          <a:prstGeom prst="rect">
+            <a:avLst/>
+          </a:prstGeom>
+        </p:spPr>
+        <p:txBody>
+          <a:bodyPr vert="horz" lIns="91440" tIns="45720" rIns="91440" bIns="45720" rtlCol="0"/>
+          <a:lstStyle>
+            <a:lvl1pPr algn="l">
+              <a:defRPr sz="1200"/>
+            </a:lvl1pPr>
+          </a:lstStyle>
+          <a:p>
+            <a:endParaRPr lang="fr-FR"/>
+          </a:p>
+        </p:txBody>
+      </p:sp>
+      <p:sp>
+        <p:nvSpPr>
+          <p:cNvPr id="3" name="Espace réservé de la date 2"/>
+          <p:cNvSpPr>
+            <a:spLocks noGrp="1"/>
+          </p:cNvSpPr>
+          <p:nvPr>
+            <p:ph type="dt" idx="1"/>
+          </p:nvPr>
+        </p:nvSpPr>
+        <p:spPr>
+          <a:xfrm>
+            <a:off x="3884613" y="0"/>
+            <a:ext cx="2971800" cy="458788"/>
+          </a:xfrm>
+          <a:prstGeom prst="rect">
+            <a:avLst/>
+          </a:prstGeom>
+        </p:spPr>
+        <p:txBody>
+          <a:bodyPr vert="horz" lIns="91440" tIns="45720" rIns="91440" bIns="45720" rtlCol="0"/>
+          <a:lstStyle>
+            <a:lvl1pPr algn="r">
+              <a:defRPr sz="1200"/>
+            </a:lvl1pPr>
+          </a:lstStyle>
+          <a:p>
+            <a:fld id="{56163B51-D82A-4D29-A210-4A907BE6F4CC}" type="datetimeFigureOut">
+              <a:rPr lang="fr-FR" smtClean="0"/>
+              <a:t>28/08/2016</a:t>
+            </a:fld>
+            <a:endParaRPr lang="fr-FR"/>
+          </a:p>
+        </p:txBody>
+      </p:sp>
+      <p:sp>
+        <p:nvSpPr>
+          <p:cNvPr id="4" name="Espace réservé de l'image des diapositives 3"/>
+          <p:cNvSpPr>
+            <a:spLocks noGrp="1" noRot="1" noChangeAspect="1"/>
+          </p:cNvSpPr>
+          <p:nvPr>
+            <p:ph type="sldImg" idx="2"/>
+          </p:nvPr>
+        </p:nvSpPr>
+        <p:spPr>
+          <a:xfrm>
+            <a:off x="685800" y="1143000"/>
+            <a:ext cx="5486400" cy="3086100"/>
+          </a:xfrm>
+          <a:prstGeom prst="rect">
+            <a:avLst/>
+          </a:prstGeom>
+          <a:noFill/>
+          <a:ln w="12700">
+            <a:solidFill>
+              <a:prstClr val="black"/>
+            </a:solidFill>
+          </a:ln>
+        </p:spPr>
+        <p:txBody>
+          <a:bodyPr vert="horz" lIns="91440" tIns="45720" rIns="91440" bIns="45720" rtlCol="0" anchor="ctr"/>
+          <a:lstStyle/>
+          <a:p>
+            <a:endParaRPr lang="fr-FR"/>
+          </a:p>
+        </p:txBody>
+      </p:sp>
+      <p:sp>
+        <p:nvSpPr>
+          <p:cNvPr id="5" name="Espace réservé des notes 4"/>
+          <p:cNvSpPr>
+            <a:spLocks noGrp="1"/>
+          </p:cNvSpPr>
+          <p:nvPr>
+            <p:ph type="body" sz="quarter" idx="3"/>
+          </p:nvPr>
+        </p:nvSpPr>
+        <p:spPr>
+          <a:xfrm>
+            <a:off x="685800" y="4400550"/>
+            <a:ext cx="5486400" cy="3600450"/>
+          </a:xfrm>
+          <a:prstGeom prst="rect">
+            <a:avLst/>
+          </a:prstGeom>
+        </p:spPr>
+        <p:txBody>
+          <a:bodyPr vert="horz" lIns="91440" tIns="45720" rIns="91440" bIns="45720" rtlCol="0"/>
+          <a:lstStyle/>
+          <a:p>
+            <a:pPr lvl="0"/>
+            <a:r>
+              <a:rPr lang="fr-FR"/>
+              <a:t>Modifier les styles du texte du masque</a:t>
+            </a:r>
+          </a:p>
+          <a:p>
+            <a:pPr lvl="1"/>
+            <a:r>
+              <a:rPr lang="fr-FR"/>
+              <a:t>Deuxième niveau</a:t>
+            </a:r>
+          </a:p>
+          <a:p>
+            <a:pPr lvl="2"/>
+            <a:r>
+              <a:rPr lang="fr-FR"/>
+              <a:t>Troisième niveau</a:t>
+            </a:r>
+          </a:p>
+          <a:p>
+            <a:pPr lvl="3"/>
+            <a:r>
+              <a:rPr lang="fr-FR"/>
+              <a:t>Quatrième niveau</a:t>
+            </a:r>
+          </a:p>
+          <a:p>
+            <a:pPr lvl="4"/>
+            <a:r>
+              <a:rPr lang="fr-FR"/>
+              <a:t>Cinquième niveau</a:t>
+            </a:r>
+          </a:p>
+        </p:txBody>
+      </p:sp>
+      <p:sp>
+        <p:nvSpPr>
+          <p:cNvPr id="6" name="Espace réservé du pied de page 5"/>
+          <p:cNvSpPr>
+            <a:spLocks noGrp="1"/>
+          </p:cNvSpPr>
+          <p:nvPr>
+            <p:ph type="ftr" sz="quarter" idx="4"/>
+          </p:nvPr>
+        </p:nvSpPr>
+        <p:spPr>
+          <a:xfrm>
+            <a:off x="0" y="8685213"/>
+            <a:ext cx="2971800" cy="458787"/>
+          </a:xfrm>
+          <a:prstGeom prst="rect">
+            <a:avLst/>
+          </a:prstGeom>
+        </p:spPr>
+        <p:txBody>
+          <a:bodyPr vert="horz" lIns="91440" tIns="45720" rIns="91440" bIns="45720" rtlCol="0" anchor="b"/>
+          <a:lstStyle>
+            <a:lvl1pPr algn="l">
+              <a:defRPr sz="1200"/>
+            </a:lvl1pPr>
+          </a:lstStyle>
+          <a:p>
+            <a:endParaRPr lang="fr-FR"/>
+          </a:p>
+        </p:txBody>
+      </p:sp>
+      <p:sp>
+        <p:nvSpPr>
+          <p:cNvPr id="7" name="Espace réservé du numéro de diapositive 6"/>
+          <p:cNvSpPr>
+            <a:spLocks noGrp="1"/>
+          </p:cNvSpPr>
+          <p:nvPr>
+            <p:ph type="sldNum" sz="quarter" idx="5"/>
+          </p:nvPr>
+        </p:nvSpPr>
+        <p:spPr>
+          <a:xfrm>
+            <a:off x="3884613" y="8685213"/>
+            <a:ext cx="2971800" cy="458787"/>
+          </a:xfrm>
+          <a:prstGeom prst="rect">
+            <a:avLst/>
+          </a:prstGeom>
+        </p:spPr>
+        <p:txBody>
+          <a:bodyPr vert="horz" lIns="91440" tIns="45720" rIns="91440" bIns="45720" rtlCol="0" anchor="b"/>
+          <a:lstStyle>
+            <a:lvl1pPr algn="r">
+              <a:defRPr sz="1200"/>
+            </a:lvl1pPr>
+          </a:lstStyle>
+          <a:p>
+            <a:fld id="{3A9CA330-E645-48DF-9BC5-012C817961D7}" type="slidenum">
+              <a:rPr lang="fr-FR" smtClean="0"/>
+              <a:t>‹N°›</a:t>
+            </a:fld>
+            <a:endParaRPr lang="fr-FR"/>
+          </a:p>
+        </p:txBody>
+      </p:sp>
+    </p:spTree>
+    <p:extLst>
+      <p:ext uri="{BB962C8B-B14F-4D97-AF65-F5344CB8AC3E}">
+        <p14:creationId xmlns:p14="http://schemas.microsoft.com/office/powerpoint/2010/main" val="302357321"/>
+      </p:ext>
+    </p:extLst>
+  </p:cSld>
+  <p:clrMap bg1="lt1" tx1="dk1" bg2="lt2" tx2="dk2" accent1="accent1" accent2="accent2" accent3="accent3" accent4="accent4" accent5="accent5" accent6="accent6" hlink="hlink" folHlink="folHlink"/>
+  <p:notesStyle>
+    <a:lvl1pPr marL="0" algn="l" defTabSz="914400" rtl="0" eaLnBrk="1" latinLnBrk="0" hangingPunct="1">
+      <a:defRPr sz="1200" kern="1200">
+        <a:solidFill>
+          <a:schemeClr val="tx1"/>
+        </a:solidFill>
+        <a:latin typeface="+mn-lt"/>
+        <a:ea typeface="+mn-ea"/>
+        <a:cs typeface="+mn-cs"/>
+      </a:defRPr>
+    </a:lvl1pPr>
+    <a:lvl2pPr marL="457200" algn="l" defTabSz="914400" rtl="0" eaLnBrk="1" latinLnBrk="0" hangingPunct="1">
+      <a:defRPr sz="1200" kern="1200">
+        <a:solidFill>
+          <a:schemeClr val="tx1"/>
+        </a:solidFill>
+        <a:latin typeface="+mn-lt"/>
+        <a:ea typeface="+mn-ea"/>
+        <a:cs typeface="+mn-cs"/>
+      </a:defRPr>
+    </a:lvl2pPr>
+    <a:lvl3pPr marL="914400" algn="l" defTabSz="914400" rtl="0" eaLnBrk="1" latinLnBrk="0" hangingPunct="1">
+      <a:defRPr sz="1200" kern="1200">
+        <a:solidFill>
+          <a:schemeClr val="tx1"/>
+        </a:solidFill>
+        <a:latin typeface="+mn-lt"/>
+        <a:ea typeface="+mn-ea"/>
+        <a:cs typeface="+mn-cs"/>
+      </a:defRPr>
+    </a:lvl3pPr>
+    <a:lvl4pPr marL="1371600" algn="l" defTabSz="914400" rtl="0" eaLnBrk="1" latinLnBrk="0" hangingPunct="1">
+      <a:defRPr sz="1200" kern="1200">
+        <a:solidFill>
+          <a:schemeClr val="tx1"/>
+        </a:solidFill>
+        <a:latin typeface="+mn-lt"/>
+        <a:ea typeface="+mn-ea"/>
+        <a:cs typeface="+mn-cs"/>
+      </a:defRPr>
+    </a:lvl4pPr>
+    <a:lvl5pPr marL="1828800" algn="l" defTabSz="914400" rtl="0" eaLnBrk="1" latinLnBrk="0" hangingPunct="1">
+      <a:defRPr sz="1200" kern="1200">
+        <a:solidFill>
+          <a:schemeClr val="tx1"/>
+        </a:solidFill>
+        <a:latin typeface="+mn-lt"/>
+        <a:ea typeface="+mn-ea"/>
+        <a:cs typeface="+mn-cs"/>
+      </a:defRPr>
+    </a:lvl5pPr>
+    <a:lvl6pPr marL="2286000" algn="l" defTabSz="914400" rtl="0" eaLnBrk="1" latinLnBrk="0" hangingPunct="1">
+      <a:defRPr sz="1200" kern="1200">
+        <a:solidFill>
+          <a:schemeClr val="tx1"/>
+        </a:solidFill>
+        <a:latin typeface="+mn-lt"/>
+        <a:ea typeface="+mn-ea"/>
+        <a:cs typeface="+mn-cs"/>
+      </a:defRPr>
+    </a:lvl6pPr>
+    <a:lvl7pPr marL="2743200" algn="l" defTabSz="914400" rtl="0" eaLnBrk="1" latinLnBrk="0" hangingPunct="1">
+      <a:defRPr sz="1200" kern="1200">
+        <a:solidFill>
+          <a:schemeClr val="tx1"/>
+        </a:solidFill>
+        <a:latin typeface="+mn-lt"/>
+        <a:ea typeface="+mn-ea"/>
+        <a:cs typeface="+mn-cs"/>
+      </a:defRPr>
+    </a:lvl7pPr>
+    <a:lvl8pPr marL="3200400" algn="l" defTabSz="914400" rtl="0" eaLnBrk="1" latinLnBrk="0" hangingPunct="1">
+      <a:defRPr sz="1200" kern="1200">
+        <a:solidFill>
+          <a:schemeClr val="tx1"/>
+        </a:solidFill>
+        <a:latin typeface="+mn-lt"/>
+        <a:ea typeface="+mn-ea"/>
+        <a:cs typeface="+mn-cs"/>
+      </a:defRPr>
+    </a:lvl8pPr>
+    <a:lvl9pPr marL="3657600" algn="l" defTabSz="914400" rtl="0" eaLnBrk="1" latinLnBrk="0" hangingPunct="1">
+      <a:defRPr sz="1200" kern="1200">
+        <a:solidFill>
+          <a:schemeClr val="tx1"/>
+        </a:solidFill>
+        <a:latin typeface="+mn-lt"/>
+        <a:ea typeface="+mn-ea"/>
+        <a:cs typeface="+mn-cs"/>
+      </a:defRPr>
+    </a:lvl9pPr>
+  </p:notesStyle>
+</p:notesMaster>
 </file>
 
 <file path=ppt/slideLayouts/slideLayout1.xml><?xml version="1.0" encoding="utf-8"?>
@@ -392,10 +751,9 @@
           <a:bodyPr/>
           <a:lstStyle/>
           <a:p>
-            <a:fld id="{08B9EBBA-996F-894A-B54A-D6246ED52CEA}" type="datetimeFigureOut">
-              <a:rPr lang="en-US" dirty="0"/>
-              <a:pPr/>
-              <a:t>8/23/2016</a:t>
+            <a:fld id="{6225ACAE-4E22-45CC-9988-9F9D18EE1FEC}" type="datetime1">
+              <a:rPr lang="en-US" smtClean="0"/>
+              <a:t>8/28/2016</a:t>
             </a:fld>
             <a:endParaRPr lang="en-US" dirty="0"/>
           </a:p>
@@ -707,10 +1065,9 @@
           <a:bodyPr/>
           <a:lstStyle/>
           <a:p>
-            <a:fld id="{18C79C5D-2A6F-F04D-97DA-BEF2467B64E4}" type="datetimeFigureOut">
-              <a:rPr lang="en-US" dirty="0"/>
-              <a:pPr/>
-              <a:t>8/23/2016</a:t>
+            <a:fld id="{8C063568-E327-47E5-9639-0D742D89E778}" type="datetime1">
+              <a:rPr lang="en-US" smtClean="0"/>
+              <a:t>8/28/2016</a:t>
             </a:fld>
             <a:endParaRPr lang="en-US" dirty="0"/>
           </a:p>
@@ -1192,10 +1549,9 @@
           <a:bodyPr/>
           <a:lstStyle/>
           <a:p>
-            <a:fld id="{8DFA1846-DA80-1C48-A609-854EA85C59AD}" type="datetimeFigureOut">
-              <a:rPr lang="en-US" dirty="0"/>
-              <a:pPr/>
-              <a:t>8/23/2016</a:t>
+            <a:fld id="{7B74AD5E-9826-45F7-A00A-4800E29C0A87}" type="datetime1">
+              <a:rPr lang="en-US" smtClean="0"/>
+              <a:t>8/28/2016</a:t>
             </a:fld>
             <a:endParaRPr lang="en-US" dirty="0"/>
           </a:p>
@@ -1558,10 +1914,9 @@
           <a:bodyPr/>
           <a:lstStyle/>
           <a:p>
-            <a:fld id="{FBF54567-0DE4-3F47-BF90-CB84690072F9}" type="datetimeFigureOut">
-              <a:rPr lang="en-US" dirty="0"/>
-              <a:pPr/>
-              <a:t>8/23/2016</a:t>
+            <a:fld id="{09411DB4-1047-4CC5-A285-991A8F2654F4}" type="datetime1">
+              <a:rPr lang="en-US" smtClean="0"/>
+              <a:t>8/28/2016</a:t>
             </a:fld>
             <a:endParaRPr lang="en-US" dirty="0"/>
           </a:p>
@@ -1828,10 +2183,9 @@
           <a:bodyPr/>
           <a:lstStyle/>
           <a:p>
-            <a:fld id="{C6C52C72-DE31-F449-A4ED-4C594FD91407}" type="datetimeFigureOut">
-              <a:rPr lang="en-US" dirty="0"/>
-              <a:pPr/>
-              <a:t>8/23/2016</a:t>
+            <a:fld id="{E60448EC-E88D-4690-B5FF-5C1B76450F5E}" type="datetime1">
+              <a:rPr lang="en-US" smtClean="0"/>
+              <a:t>8/28/2016</a:t>
             </a:fld>
             <a:endParaRPr lang="en-US" dirty="0"/>
           </a:p>
@@ -2110,10 +2464,9 @@
           <a:bodyPr/>
           <a:lstStyle/>
           <a:p>
-            <a:fld id="{ED62726E-379B-B349-9EED-81ED093FA806}" type="datetimeFigureOut">
-              <a:rPr lang="en-US" dirty="0"/>
-              <a:pPr/>
-              <a:t>8/23/2016</a:t>
+            <a:fld id="{529E437C-6926-4D4D-855D-6F4959BBC356}" type="datetime1">
+              <a:rPr lang="en-US" smtClean="0"/>
+              <a:t>8/28/2016</a:t>
             </a:fld>
             <a:endParaRPr lang="en-US" dirty="0"/>
           </a:p>
@@ -2390,10 +2743,9 @@
           <a:bodyPr/>
           <a:lstStyle/>
           <a:p>
-            <a:fld id="{9B3A1323-8D79-1946-B0D7-40001CF92E9D}" type="datetimeFigureOut">
-              <a:rPr lang="en-US" dirty="0"/>
-              <a:pPr/>
-              <a:t>8/23/2016</a:t>
+            <a:fld id="{DC728542-3D26-437F-B136-0895A0EDA59E}" type="datetime1">
+              <a:rPr lang="en-US" smtClean="0"/>
+              <a:t>8/28/2016</a:t>
             </a:fld>
             <a:endParaRPr lang="en-US" dirty="0"/>
           </a:p>
@@ -2730,10 +3082,9 @@
           <a:bodyPr/>
           <a:lstStyle/>
           <a:p>
-            <a:fld id="{8DFA1846-DA80-1C48-A609-854EA85C59AD}" type="datetimeFigureOut">
-              <a:rPr lang="en-US" dirty="0"/>
-              <a:pPr/>
-              <a:t>8/23/2016</a:t>
+            <a:fld id="{C307296C-244B-4794-BC02-7013F2BB64B7}" type="datetime1">
+              <a:rPr lang="en-US" smtClean="0"/>
+              <a:t>8/28/2016</a:t>
             </a:fld>
             <a:endParaRPr lang="en-US" dirty="0"/>
           </a:p>
@@ -3066,10 +3417,9 @@
           <a:bodyPr/>
           <a:lstStyle/>
           <a:p>
-            <a:fld id="{57302355-E14B-8545-A8F8-0FE83CC9D524}" type="datetimeFigureOut">
-              <a:rPr lang="en-US" dirty="0"/>
-              <a:pPr/>
-              <a:t>8/23/2016</a:t>
+            <a:fld id="{BBD09A86-4465-4DED-9FCA-7BB7C7E5D64E}" type="datetime1">
+              <a:rPr lang="en-US" smtClean="0"/>
+              <a:t>8/28/2016</a:t>
             </a:fld>
             <a:endParaRPr lang="en-US" dirty="0"/>
           </a:p>
@@ -3540,10 +3890,9 @@
           <a:bodyPr/>
           <a:lstStyle/>
           <a:p>
-            <a:fld id="{02640F58-564D-2B4F-AE67-E407BA4FCF45}" type="datetimeFigureOut">
-              <a:rPr lang="en-US" dirty="0"/>
-              <a:pPr/>
-              <a:t>8/23/2016</a:t>
+            <a:fld id="{5AF3477A-2715-43E1-A878-2F4A93FE8BE0}" type="datetime1">
+              <a:rPr lang="en-US" smtClean="0"/>
+              <a:t>8/28/2016</a:t>
             </a:fld>
             <a:endParaRPr lang="en-US" dirty="0"/>
           </a:p>
@@ -3758,10 +4107,9 @@
           <a:bodyPr/>
           <a:lstStyle/>
           <a:p>
-            <a:fld id="{F13A34C8-038E-2045-AF43-DF7DBB8E0E9E}" type="datetimeFigureOut">
-              <a:rPr lang="en-US" dirty="0"/>
-              <a:pPr/>
-              <a:t>8/23/2016</a:t>
+            <a:fld id="{44FBA4D1-49DC-49C6-AB19-F9D339949CA5}" type="datetime1">
+              <a:rPr lang="en-US" smtClean="0"/>
+              <a:t>8/28/2016</a:t>
             </a:fld>
             <a:endParaRPr lang="en-US" dirty="0"/>
           </a:p>
@@ -3850,10 +4198,9 @@
           <a:bodyPr/>
           <a:lstStyle/>
           <a:p>
-            <a:fld id="{8818C68F-D26B-8F47-958C-23B49CF8A634}" type="datetimeFigureOut">
-              <a:rPr lang="en-US" dirty="0"/>
-              <a:pPr/>
-              <a:t>8/23/2016</a:t>
+            <a:fld id="{A8A38DB8-5E36-49F7-9198-2795B2D4B58E}" type="datetime1">
+              <a:rPr lang="en-US" smtClean="0"/>
+              <a:t>8/28/2016</a:t>
             </a:fld>
             <a:endParaRPr lang="en-US" dirty="0"/>
           </a:p>
@@ -4314,10 +4661,9 @@
           <a:bodyPr/>
           <a:lstStyle/>
           <a:p>
-            <a:fld id="{D0DF5E60-9974-AC48-9591-99C2BB44B7CF}" type="datetimeFigureOut">
-              <a:rPr lang="en-US" dirty="0"/>
-              <a:pPr/>
-              <a:t>8/23/2016</a:t>
+            <a:fld id="{4F74C367-B738-4DFE-8B5A-1D731A81C08A}" type="datetime1">
+              <a:rPr lang="en-US" smtClean="0"/>
+              <a:t>8/28/2016</a:t>
             </a:fld>
             <a:endParaRPr lang="en-US" dirty="0"/>
           </a:p>
@@ -4624,10 +4970,9 @@
           <a:bodyPr/>
           <a:lstStyle/>
           <a:p>
-            <a:fld id="{18C79C5D-2A6F-F04D-97DA-BEF2467B64E4}" type="datetimeFigureOut">
-              <a:rPr lang="en-US" dirty="0"/>
-              <a:pPr/>
-              <a:t>8/23/2016</a:t>
+            <a:fld id="{B1359FD5-1921-40BD-8EFE-971A1144B8CC}" type="datetime1">
+              <a:rPr lang="en-US" smtClean="0"/>
+              <a:t>8/28/2016</a:t>
             </a:fld>
             <a:endParaRPr lang="en-US" dirty="0"/>
           </a:p>
@@ -4891,10 +5236,9 @@
             </a:lvl1pPr>
           </a:lstStyle>
           <a:p>
-            <a:fld id="{09B482E8-6E0E-1B4F-B1FD-C69DB9E858D9}" type="datetimeFigureOut">
-              <a:rPr lang="en-US" dirty="0"/>
-              <a:pPr/>
-              <a:t>8/23/2016</a:t>
+            <a:fld id="{B88EBC77-A7B9-4146-B5E5-DC4ED5D57AF8}" type="datetime1">
+              <a:rPr lang="en-US" smtClean="0"/>
+              <a:t>8/28/2016</a:t>
             </a:fld>
             <a:endParaRPr lang="en-US" dirty="0"/>
           </a:p>
@@ -4959,7 +5303,7 @@
     <p:sldLayoutId id="2147483658" r:id="rId13"/>
     <p:sldLayoutId id="2147483659" r:id="rId14"/>
   </p:sldLayoutIdLst>
-  <p:hf sldNum="0" hdr="0" ftr="0" dt="0"/>
+  <p:hf hdr="0" ftr="0" dt="0"/>
   <p:txStyles>
     <p:titleStyle>
       <a:lvl1pPr algn="l" defTabSz="457200" rtl="0" eaLnBrk="1" latinLnBrk="0" hangingPunct="1">
@@ -5385,7 +5729,30 @@
               <a:rPr lang="fr-FR"/>
               <a:t>Année Spéciale</a:t>
             </a:r>
-            <a:endParaRPr lang="fr-FR"/>
+          </a:p>
+        </p:txBody>
+      </p:sp>
+      <p:sp>
+        <p:nvSpPr>
+          <p:cNvPr id="4" name="Espace réservé du numéro de diapositive 3"/>
+          <p:cNvSpPr>
+            <a:spLocks noGrp="1"/>
+          </p:cNvSpPr>
+          <p:nvPr>
+            <p:ph type="sldNum" sz="quarter" idx="12"/>
+          </p:nvPr>
+        </p:nvSpPr>
+        <p:spPr/>
+        <p:txBody>
+          <a:bodyPr/>
+          <a:lstStyle/>
+          <a:p>
+            <a:fld id="{D57F1E4F-1CFF-5643-939E-217C01CDF565}" type="slidenum">
+              <a:rPr lang="en-US" smtClean="0"/>
+              <a:pPr/>
+              <a:t>1</a:t>
+            </a:fld>
+            <a:endParaRPr lang="en-US" dirty="0"/>
           </a:p>
         </p:txBody>
       </p:sp>
@@ -5393,6 +5760,240 @@
     <p:extLst>
       <p:ext uri="{BB962C8B-B14F-4D97-AF65-F5344CB8AC3E}">
         <p14:creationId xmlns:p14="http://schemas.microsoft.com/office/powerpoint/2010/main" val="578138227"/>
+      </p:ext>
+    </p:extLst>
+  </p:cSld>
+  <p:clrMapOvr>
+    <a:masterClrMapping/>
+  </p:clrMapOvr>
+</p:sld>
+</file>
+
+<file path=ppt/slides/slide2.xml><?xml version="1.0" encoding="utf-8"?>
+<p:sld xmlns:a="http://schemas.openxmlformats.org/drawingml/2006/main" xmlns:r="http://schemas.openxmlformats.org/officeDocument/2006/relationships" xmlns:p="http://schemas.openxmlformats.org/presentationml/2006/main">
+  <p:cSld>
+    <p:spTree>
+      <p:nvGrpSpPr>
+        <p:cNvPr id="1" name=""/>
+        <p:cNvGrpSpPr/>
+        <p:nvPr/>
+      </p:nvGrpSpPr>
+      <p:grpSpPr>
+        <a:xfrm>
+          <a:off x="0" y="0"/>
+          <a:ext cx="0" cy="0"/>
+          <a:chOff x="0" y="0"/>
+          <a:chExt cx="0" cy="0"/>
+        </a:xfrm>
+      </p:grpSpPr>
+      <p:sp>
+        <p:nvSpPr>
+          <p:cNvPr id="2" name="Titre 1"/>
+          <p:cNvSpPr>
+            <a:spLocks noGrp="1"/>
+          </p:cNvSpPr>
+          <p:nvPr>
+            <p:ph type="title"/>
+          </p:nvPr>
+        </p:nvSpPr>
+        <p:spPr/>
+        <p:txBody>
+          <a:bodyPr/>
+          <a:lstStyle/>
+          <a:p>
+            <a:r>
+              <a:rPr lang="fr-FR" dirty="0"/>
+              <a:t>Amélioration de l’expérience utilisateur</a:t>
+            </a:r>
+          </a:p>
+        </p:txBody>
+      </p:sp>
+      <p:sp>
+        <p:nvSpPr>
+          <p:cNvPr id="3" name="Espace réservé du contenu 2"/>
+          <p:cNvSpPr>
+            <a:spLocks noGrp="1"/>
+          </p:cNvSpPr>
+          <p:nvPr>
+            <p:ph idx="1"/>
+          </p:nvPr>
+        </p:nvSpPr>
+        <p:spPr/>
+        <p:txBody>
+          <a:bodyPr>
+            <a:normAutofit/>
+          </a:bodyPr>
+          <a:lstStyle/>
+          <a:p>
+            <a:pPr>
+              <a:buFont typeface="+mj-lt"/>
+              <a:buAutoNum type="arabicPeriod"/>
+            </a:pPr>
+            <a:r>
+              <a:rPr lang="fr-FR" sz="3600" dirty="0"/>
+              <a:t>Environnement du stage</a:t>
+            </a:r>
+          </a:p>
+          <a:p>
+            <a:pPr>
+              <a:buFont typeface="+mj-lt"/>
+              <a:buAutoNum type="arabicPeriod"/>
+            </a:pPr>
+            <a:r>
+              <a:rPr lang="fr-FR" sz="3600" dirty="0"/>
+              <a:t>Présentation du travail effectué</a:t>
+            </a:r>
+          </a:p>
+          <a:p>
+            <a:pPr>
+              <a:buFont typeface="+mj-lt"/>
+              <a:buAutoNum type="arabicPeriod"/>
+            </a:pPr>
+            <a:r>
+              <a:rPr lang="fr-FR" sz="3600" dirty="0"/>
+              <a:t>Mise à plat des fontes, du serveur au client</a:t>
+            </a:r>
+          </a:p>
+          <a:p>
+            <a:pPr>
+              <a:buFont typeface="+mj-lt"/>
+              <a:buAutoNum type="arabicPeriod"/>
+            </a:pPr>
+            <a:r>
+              <a:rPr lang="fr-FR" sz="3600" dirty="0"/>
+              <a:t>Bilan</a:t>
+            </a:r>
+          </a:p>
+        </p:txBody>
+      </p:sp>
+      <p:sp>
+        <p:nvSpPr>
+          <p:cNvPr id="4" name="Espace réservé du numéro de diapositive 3"/>
+          <p:cNvSpPr>
+            <a:spLocks noGrp="1"/>
+          </p:cNvSpPr>
+          <p:nvPr>
+            <p:ph type="sldNum" sz="quarter" idx="12"/>
+          </p:nvPr>
+        </p:nvSpPr>
+        <p:spPr/>
+        <p:txBody>
+          <a:bodyPr/>
+          <a:lstStyle/>
+          <a:p>
+            <a:fld id="{D57F1E4F-1CFF-5643-939E-217C01CDF565}" type="slidenum">
+              <a:rPr lang="en-US" smtClean="0"/>
+              <a:pPr/>
+              <a:t>2</a:t>
+            </a:fld>
+            <a:endParaRPr lang="en-US" dirty="0"/>
+          </a:p>
+        </p:txBody>
+      </p:sp>
+    </p:spTree>
+    <p:extLst>
+      <p:ext uri="{BB962C8B-B14F-4D97-AF65-F5344CB8AC3E}">
+        <p14:creationId xmlns:p14="http://schemas.microsoft.com/office/powerpoint/2010/main" val="116154483"/>
+      </p:ext>
+    </p:extLst>
+  </p:cSld>
+  <p:clrMapOvr>
+    <a:masterClrMapping/>
+  </p:clrMapOvr>
+</p:sld>
+</file>
+
+<file path=ppt/slides/slide3.xml><?xml version="1.0" encoding="utf-8"?>
+<p:sld xmlns:a="http://schemas.openxmlformats.org/drawingml/2006/main" xmlns:r="http://schemas.openxmlformats.org/officeDocument/2006/relationships" xmlns:p="http://schemas.openxmlformats.org/presentationml/2006/main">
+  <p:cSld>
+    <p:spTree>
+      <p:nvGrpSpPr>
+        <p:cNvPr id="1" name=""/>
+        <p:cNvGrpSpPr/>
+        <p:nvPr/>
+      </p:nvGrpSpPr>
+      <p:grpSpPr>
+        <a:xfrm>
+          <a:off x="0" y="0"/>
+          <a:ext cx="0" cy="0"/>
+          <a:chOff x="0" y="0"/>
+          <a:chExt cx="0" cy="0"/>
+        </a:xfrm>
+      </p:grpSpPr>
+      <p:sp>
+        <p:nvSpPr>
+          <p:cNvPr id="2" name="Titre 1"/>
+          <p:cNvSpPr>
+            <a:spLocks noGrp="1"/>
+          </p:cNvSpPr>
+          <p:nvPr>
+            <p:ph type="title"/>
+          </p:nvPr>
+        </p:nvSpPr>
+        <p:spPr/>
+        <p:txBody>
+          <a:bodyPr/>
+          <a:lstStyle/>
+          <a:p>
+            <a:r>
+              <a:rPr lang="fr-FR" dirty="0"/>
+              <a:t>Prototypo, la </a:t>
+            </a:r>
+            <a:r>
+              <a:rPr lang="fr-FR"/>
+              <a:t>typographie accessible</a:t>
+            </a:r>
+            <a:endParaRPr lang="fr-FR" dirty="0"/>
+          </a:p>
+        </p:txBody>
+      </p:sp>
+      <p:sp>
+        <p:nvSpPr>
+          <p:cNvPr id="3" name="Espace réservé du contenu 2"/>
+          <p:cNvSpPr>
+            <a:spLocks noGrp="1"/>
+          </p:cNvSpPr>
+          <p:nvPr>
+            <p:ph idx="1"/>
+          </p:nvPr>
+        </p:nvSpPr>
+        <p:spPr/>
+        <p:txBody>
+          <a:bodyPr/>
+          <a:lstStyle/>
+          <a:p>
+            <a:endParaRPr lang="fr-FR"/>
+          </a:p>
+        </p:txBody>
+      </p:sp>
+      <p:sp>
+        <p:nvSpPr>
+          <p:cNvPr id="4" name="Espace réservé du numéro de diapositive 3"/>
+          <p:cNvSpPr>
+            <a:spLocks noGrp="1"/>
+          </p:cNvSpPr>
+          <p:nvPr>
+            <p:ph type="sldNum" sz="quarter" idx="12"/>
+          </p:nvPr>
+        </p:nvSpPr>
+        <p:spPr/>
+        <p:txBody>
+          <a:bodyPr/>
+          <a:lstStyle/>
+          <a:p>
+            <a:fld id="{D57F1E4F-1CFF-5643-939E-217C01CDF565}" type="slidenum">
+              <a:rPr lang="en-US" smtClean="0"/>
+              <a:pPr/>
+              <a:t>3</a:t>
+            </a:fld>
+            <a:endParaRPr lang="en-US" dirty="0"/>
+          </a:p>
+        </p:txBody>
+      </p:sp>
+    </p:spTree>
+    <p:extLst>
+      <p:ext uri="{BB962C8B-B14F-4D97-AF65-F5344CB8AC3E}">
+        <p14:creationId xmlns:p14="http://schemas.microsoft.com/office/powerpoint/2010/main" val="1161021499"/>
       </p:ext>
     </p:extLst>
   </p:cSld>
@@ -5637,4 +6238,299 @@
     </a:ext>
   </a:extLst>
 </a:theme>
+</file>
+
+<file path=ppt/theme/theme2.xml><?xml version="1.0" encoding="utf-8"?>
+<a:theme xmlns:a="http://schemas.openxmlformats.org/drawingml/2006/main" name="Thème Office">
+  <a:themeElements>
+    <a:clrScheme name="Office">
+      <a:dk1>
+        <a:sysClr val="windowText" lastClr="000000"/>
+      </a:dk1>
+      <a:lt1>
+        <a:sysClr val="window" lastClr="FFFFFF"/>
+      </a:lt1>
+      <a:dk2>
+        <a:srgbClr val="44546A"/>
+      </a:dk2>
+      <a:lt2>
+        <a:srgbClr val="E7E6E6"/>
+      </a:lt2>
+      <a:accent1>
+        <a:srgbClr val="5B9BD5"/>
+      </a:accent1>
+      <a:accent2>
+        <a:srgbClr val="ED7D31"/>
+      </a:accent2>
+      <a:accent3>
+        <a:srgbClr val="A5A5A5"/>
+      </a:accent3>
+      <a:accent4>
+        <a:srgbClr val="FFC000"/>
+      </a:accent4>
+      <a:accent5>
+        <a:srgbClr val="4472C4"/>
+      </a:accent5>
+      <a:accent6>
+        <a:srgbClr val="70AD47"/>
+      </a:accent6>
+      <a:hlink>
+        <a:srgbClr val="0563C1"/>
+      </a:hlink>
+      <a:folHlink>
+        <a:srgbClr val="954F72"/>
+      </a:folHlink>
+    </a:clrScheme>
+    <a:fontScheme name="Office">
+      <a:majorFont>
+        <a:latin typeface="Calibri Light" panose="020F0302020204030204"/>
+        <a:ea typeface=""/>
+        <a:cs typeface=""/>
+        <a:font script="Jpan" typeface="游ゴシック Light"/>
+        <a:font script="Hang" typeface="맑은 고딕"/>
+        <a:font script="Hans" typeface="等线 Light"/>
+        <a:font script="Hant" typeface="新細明體"/>
+        <a:font script="Arab" typeface="Times New Roman"/>
+        <a:font script="Hebr" typeface="Times New Roman"/>
+        <a:font script="Thai" typeface="Angsana New"/>
+        <a:font script="Ethi" typeface="Nyala"/>
+        <a:font script="Beng" typeface="Vrinda"/>
+        <a:font script="Gujr" typeface="Shruti"/>
+        <a:font script="Khmr" typeface="MoolBoran"/>
+        <a:font script="Knda" typeface="Tunga"/>
+        <a:font script="Guru" typeface="Raavi"/>
+        <a:font script="Cans" typeface="Euphemia"/>
+        <a:font script="Cher" typeface="Plantagenet Cherokee"/>
+        <a:font script="Yiii" typeface="Microsoft Yi Baiti"/>
+        <a:font script="Tibt" typeface="Microsoft Himalaya"/>
+        <a:font script="Thaa" typeface="MV Boli"/>
+        <a:font script="Deva" typeface="Mangal"/>
+        <a:font script="Telu" typeface="Gautami"/>
+        <a:font script="Taml" typeface="Latha"/>
+        <a:font script="Syrc" typeface="Estrangelo Edessa"/>
+        <a:font script="Orya" typeface="Kalinga"/>
+        <a:font script="Mlym" typeface="Kartika"/>
+        <a:font script="Laoo" typeface="DokChampa"/>
+        <a:font script="Sinh" typeface="Iskoola Pota"/>
+        <a:font script="Mong" typeface="Mongolian Baiti"/>
+        <a:font script="Viet" typeface="Times New Roman"/>
+        <a:font script="Uigh" typeface="Microsoft Uighur"/>
+        <a:font script="Geor" typeface="Sylfaen"/>
+        <a:font script="Armn" typeface="Arial"/>
+        <a:font script="Bugi" typeface="Leelawadee UI"/>
+        <a:font script="Bopo" typeface="Microsoft JhengHei"/>
+        <a:font script="Java" typeface="Javanese Text"/>
+        <a:font script="Lisu" typeface="Segoe UI"/>
+        <a:font script="Mymr" typeface="Myanmar Text"/>
+        <a:font script="Nkoo" typeface="Ebrima"/>
+        <a:font script="Olck" typeface="Nirmala UI"/>
+        <a:font script="Osma" typeface="Ebrima"/>
+        <a:font script="Phag" typeface="Phagspa"/>
+        <a:font script="Syrn" typeface="Estrangelo Edessa"/>
+        <a:font script="Syrj" typeface="Estrangelo Edessa"/>
+        <a:font script="Syre" typeface="Estrangelo Edessa"/>
+        <a:font script="Sora" typeface="Nirmala UI"/>
+        <a:font script="Tale" typeface="Microsoft Tai Le"/>
+        <a:font script="Talu" typeface="Microsoft New Tai Lue"/>
+        <a:font script="Tfng" typeface="Ebrima"/>
+      </a:majorFont>
+      <a:minorFont>
+        <a:latin typeface="Calibri" panose="020F0502020204030204"/>
+        <a:ea typeface=""/>
+        <a:cs typeface=""/>
+        <a:font script="Jpan" typeface="游ゴシック"/>
+        <a:font script="Hang" typeface="맑은 고딕"/>
+        <a:font script="Hans" typeface="等线"/>
+        <a:font script="Hant" typeface="新細明體"/>
+        <a:font script="Arab" typeface="Arial"/>
+        <a:font script="Hebr" typeface="Arial"/>
+        <a:font script="Thai" typeface="Cordia New"/>
+        <a:font script="Ethi" typeface="Nyala"/>
+        <a:font script="Beng" typeface="Vrinda"/>
+        <a:font script="Gujr" typeface="Shruti"/>
+        <a:font script="Khmr" typeface="DaunPenh"/>
+        <a:font script="Knda" typeface="Tunga"/>
+        <a:font script="Guru" typeface="Raavi"/>
+        <a:font script="Cans" typeface="Euphemia"/>
+        <a:font script="Cher" typeface="Plantagenet Cherokee"/>
+        <a:font script="Yiii" typeface="Microsoft Yi Baiti"/>
+        <a:font script="Tibt" typeface="Microsoft Himalaya"/>
+        <a:font script="Thaa" typeface="MV Boli"/>
+        <a:font script="Deva" typeface="Mangal"/>
+        <a:font script="Telu" typeface="Gautami"/>
+        <a:font script="Taml" typeface="Latha"/>
+        <a:font script="Syrc" typeface="Estrangelo Edessa"/>
+        <a:font script="Orya" typeface="Kalinga"/>
+        <a:font script="Mlym" typeface="Kartika"/>
+        <a:font script="Laoo" typeface="DokChampa"/>
+        <a:font script="Sinh" typeface="Iskoola Pota"/>
+        <a:font script="Mong" typeface="Mongolian Baiti"/>
+        <a:font script="Viet" typeface="Arial"/>
+        <a:font script="Uigh" typeface="Microsoft Uighur"/>
+        <a:font script="Geor" typeface="Sylfaen"/>
+        <a:font script="Armn" typeface="Arial"/>
+        <a:font script="Bugi" typeface="Leelawadee UI"/>
+        <a:font script="Bopo" typeface="Microsoft JhengHei"/>
+        <a:font script="Java" typeface="Javanese Text"/>
+        <a:font script="Lisu" typeface="Segoe UI"/>
+        <a:font script="Mymr" typeface="Myanmar Text"/>
+        <a:font script="Nkoo" typeface="Ebrima"/>
+        <a:font script="Olck" typeface="Nirmala UI"/>
+        <a:font script="Osma" typeface="Ebrima"/>
+        <a:font script="Phag" typeface="Phagspa"/>
+        <a:font script="Syrn" typeface="Estrangelo Edessa"/>
+        <a:font script="Syrj" typeface="Estrangelo Edessa"/>
+        <a:font script="Syre" typeface="Estrangelo Edessa"/>
+        <a:font script="Sora" typeface="Nirmala UI"/>
+        <a:font script="Tale" typeface="Microsoft Tai Le"/>
+        <a:font script="Talu" typeface="Microsoft New Tai Lue"/>
+        <a:font script="Tfng" typeface="Ebrima"/>
+      </a:minorFont>
+    </a:fontScheme>
+    <a:fmtScheme name="Office">
+      <a:fillStyleLst>
+        <a:solidFill>
+          <a:schemeClr val="phClr"/>
+        </a:solidFill>
+        <a:gradFill rotWithShape="1">
+          <a:gsLst>
+            <a:gs pos="0">
+              <a:schemeClr val="phClr">
+                <a:lumMod val="110000"/>
+                <a:satMod val="105000"/>
+                <a:tint val="67000"/>
+              </a:schemeClr>
+            </a:gs>
+            <a:gs pos="50000">
+              <a:schemeClr val="phClr">
+                <a:lumMod val="105000"/>
+                <a:satMod val="103000"/>
+                <a:tint val="73000"/>
+              </a:schemeClr>
+            </a:gs>
+            <a:gs pos="100000">
+              <a:schemeClr val="phClr">
+                <a:lumMod val="105000"/>
+                <a:satMod val="109000"/>
+                <a:tint val="81000"/>
+              </a:schemeClr>
+            </a:gs>
+          </a:gsLst>
+          <a:lin ang="5400000" scaled="0"/>
+        </a:gradFill>
+        <a:gradFill rotWithShape="1">
+          <a:gsLst>
+            <a:gs pos="0">
+              <a:schemeClr val="phClr">
+                <a:satMod val="103000"/>
+                <a:lumMod val="102000"/>
+                <a:tint val="94000"/>
+              </a:schemeClr>
+            </a:gs>
+            <a:gs pos="50000">
+              <a:schemeClr val="phClr">
+                <a:satMod val="110000"/>
+                <a:lumMod val="100000"/>
+                <a:shade val="100000"/>
+              </a:schemeClr>
+            </a:gs>
+            <a:gs pos="100000">
+              <a:schemeClr val="phClr">
+                <a:lumMod val="99000"/>
+                <a:satMod val="120000"/>
+                <a:shade val="78000"/>
+              </a:schemeClr>
+            </a:gs>
+          </a:gsLst>
+          <a:lin ang="5400000" scaled="0"/>
+        </a:gradFill>
+      </a:fillStyleLst>
+      <a:lnStyleLst>
+        <a:ln w="6350" cap="flat" cmpd="sng" algn="ctr">
+          <a:solidFill>
+            <a:schemeClr val="phClr"/>
+          </a:solidFill>
+          <a:prstDash val="solid"/>
+          <a:miter lim="800000"/>
+        </a:ln>
+        <a:ln w="12700" cap="flat" cmpd="sng" algn="ctr">
+          <a:solidFill>
+            <a:schemeClr val="phClr"/>
+          </a:solidFill>
+          <a:prstDash val="solid"/>
+          <a:miter lim="800000"/>
+        </a:ln>
+        <a:ln w="19050" cap="flat" cmpd="sng" algn="ctr">
+          <a:solidFill>
+            <a:schemeClr val="phClr"/>
+          </a:solidFill>
+          <a:prstDash val="solid"/>
+          <a:miter lim="800000"/>
+        </a:ln>
+      </a:lnStyleLst>
+      <a:effectStyleLst>
+        <a:effectStyle>
+          <a:effectLst/>
+        </a:effectStyle>
+        <a:effectStyle>
+          <a:effectLst/>
+        </a:effectStyle>
+        <a:effectStyle>
+          <a:effectLst>
+            <a:outerShdw blurRad="57150" dist="19050" dir="5400000" algn="ctr" rotWithShape="0">
+              <a:srgbClr val="000000">
+                <a:alpha val="63000"/>
+              </a:srgbClr>
+            </a:outerShdw>
+          </a:effectLst>
+        </a:effectStyle>
+      </a:effectStyleLst>
+      <a:bgFillStyleLst>
+        <a:solidFill>
+          <a:schemeClr val="phClr"/>
+        </a:solidFill>
+        <a:solidFill>
+          <a:schemeClr val="phClr">
+            <a:tint val="95000"/>
+            <a:satMod val="170000"/>
+          </a:schemeClr>
+        </a:solidFill>
+        <a:gradFill rotWithShape="1">
+          <a:gsLst>
+            <a:gs pos="0">
+              <a:schemeClr val="phClr">
+                <a:tint val="93000"/>
+                <a:satMod val="150000"/>
+                <a:shade val="98000"/>
+                <a:lumMod val="102000"/>
+              </a:schemeClr>
+            </a:gs>
+            <a:gs pos="50000">
+              <a:schemeClr val="phClr">
+                <a:tint val="98000"/>
+                <a:satMod val="130000"/>
+                <a:shade val="90000"/>
+                <a:lumMod val="103000"/>
+              </a:schemeClr>
+            </a:gs>
+            <a:gs pos="100000">
+              <a:schemeClr val="phClr">
+                <a:shade val="63000"/>
+                <a:satMod val="120000"/>
+              </a:schemeClr>
+            </a:gs>
+          </a:gsLst>
+          <a:lin ang="5400000" scaled="0"/>
+        </a:gradFill>
+      </a:bgFillStyleLst>
+    </a:fmtScheme>
+  </a:themeElements>
+  <a:objectDefaults/>
+  <a:extraClrSchemeLst/>
+  <a:extLst>
+    <a:ext uri="{05A4C25C-085E-4340-85A3-A5531E510DB2}">
+      <thm15:themeFamily xmlns:thm15="http://schemas.microsoft.com/office/thememl/2012/main" name="Office Theme" id="{62F939B6-93AF-4DB8-9C6B-D6C7DFDC589F}" vid="{4A3C46E8-61CC-4603-A589-7422A47A8E4A}"/>
+    </a:ext>
+  </a:extLst>
+</a:theme>
 </file>
--- a/Stage/Soutenance/presentation_soutenance.pptx
+++ b/Stage/Soutenance/presentation_soutenance.pptx
@@ -5,12 +5,17 @@
     <p:sldMasterId id="2147483648" r:id="rId1"/>
   </p:sldMasterIdLst>
   <p:notesMasterIdLst>
-    <p:notesMasterId r:id="rId5"/>
+    <p:notesMasterId r:id="rId10"/>
   </p:notesMasterIdLst>
   <p:sldIdLst>
     <p:sldId id="256" r:id="rId2"/>
     <p:sldId id="257" r:id="rId3"/>
     <p:sldId id="258" r:id="rId4"/>
+    <p:sldId id="259" r:id="rId5"/>
+    <p:sldId id="260" r:id="rId6"/>
+    <p:sldId id="261" r:id="rId7"/>
+    <p:sldId id="262" r:id="rId8"/>
+    <p:sldId id="263" r:id="rId9"/>
   </p:sldIdLst>
   <p:sldSz cx="12192000" cy="6858000"/>
   <p:notesSz cx="6858000" cy="9144000"/>
@@ -5703,6 +5708,13 @@
               <a:rPr lang="fr-FR" dirty="0"/>
               <a:t>Soutenance de stage</a:t>
             </a:r>
+            <a:br>
+              <a:rPr lang="fr-FR" dirty="0"/>
+            </a:br>
+            <a:r>
+              <a:rPr lang="fr-FR" dirty="0"/>
+              <a:t>Entreprise Prototypo</a:t>
+            </a:r>
           </a:p>
         </p:txBody>
       </p:sp>
@@ -5803,7 +5815,7 @@
           <a:p>
             <a:r>
               <a:rPr lang="fr-FR" dirty="0"/>
-              <a:t>Amélioration de l’expérience utilisateur</a:t>
+              <a:t>Evolution d’une application web</a:t>
             </a:r>
           </a:p>
         </p:txBody>
@@ -5831,7 +5843,7 @@
             </a:pPr>
             <a:r>
               <a:rPr lang="fr-FR" sz="3600" dirty="0"/>
-              <a:t>Environnement du stage</a:t>
+              <a:t>L’application Prototypo et son contexte</a:t>
             </a:r>
           </a:p>
           <a:p>
@@ -5841,7 +5853,7 @@
             </a:pPr>
             <a:r>
               <a:rPr lang="fr-FR" sz="3600" dirty="0"/>
-              <a:t>Présentation du travail effectué</a:t>
+              <a:t>Amélioration de l’expérience utilisateur</a:t>
             </a:r>
           </a:p>
           <a:p>
@@ -5851,7 +5863,7 @@
             </a:pPr>
             <a:r>
               <a:rPr lang="fr-FR" sz="3600" dirty="0"/>
-              <a:t>Mise à plat des fontes, du serveur au client</a:t>
+              <a:t>Problématique de mise à plat des fontes</a:t>
             </a:r>
           </a:p>
           <a:p>
@@ -5861,7 +5873,7 @@
             </a:pPr>
             <a:r>
               <a:rPr lang="fr-FR" sz="3600" dirty="0"/>
-              <a:t>Bilan</a:t>
+              <a:t>Retour d’expérience</a:t>
             </a:r>
           </a:p>
         </p:txBody>
@@ -5937,13 +5949,8 @@
           <a:p>
             <a:r>
               <a:rPr lang="fr-FR" dirty="0"/>
-              <a:t>Prototypo, la </a:t>
-            </a:r>
-            <a:r>
-              <a:rPr lang="fr-FR"/>
-              <a:t>typographie accessible</a:t>
-            </a:r>
-            <a:endParaRPr lang="fr-FR" dirty="0"/>
+              <a:t>Prototypo, éditeur de typographie</a:t>
+            </a:r>
           </a:p>
         </p:txBody>
       </p:sp>
@@ -5957,12 +5964,34 @@
             <p:ph idx="1"/>
           </p:nvPr>
         </p:nvSpPr>
-        <p:spPr/>
-        <p:txBody>
-          <a:bodyPr/>
-          <a:lstStyle/>
-          <a:p>
-            <a:endParaRPr lang="fr-FR"/>
+        <p:spPr>
+          <a:xfrm>
+            <a:off x="818712" y="2222287"/>
+            <a:ext cx="5724701" cy="3636511"/>
+          </a:xfrm>
+        </p:spPr>
+        <p:txBody>
+          <a:bodyPr>
+            <a:normAutofit/>
+          </a:bodyPr>
+          <a:lstStyle/>
+          <a:p>
+            <a:r>
+              <a:rPr lang="fr-FR" sz="3200" dirty="0"/>
+              <a:t> 34 000 £ sur Kickstarter</a:t>
+            </a:r>
+          </a:p>
+          <a:p>
+            <a:r>
+              <a:rPr lang="fr-FR" sz="3200" dirty="0"/>
+              <a:t> 4 employés</a:t>
+            </a:r>
+          </a:p>
+          <a:p>
+            <a:r>
+              <a:rPr lang="fr-FR" sz="3200" dirty="0"/>
+              <a:t> JavaScript et React</a:t>
+            </a:r>
           </a:p>
         </p:txBody>
       </p:sp>
@@ -5990,10 +6019,513 @@
           </a:p>
         </p:txBody>
       </p:sp>
+      <p:pic>
+        <p:nvPicPr>
+          <p:cNvPr id="5" name="Image 4"/>
+          <p:cNvPicPr>
+            <a:picLocks noChangeAspect="1"/>
+          </p:cNvPicPr>
+          <p:nvPr/>
+        </p:nvPicPr>
+        <p:blipFill>
+          <a:blip r:embed="rId2"/>
+          <a:stretch>
+            <a:fillRect/>
+          </a:stretch>
+        </p:blipFill>
+        <p:spPr>
+          <a:xfrm>
+            <a:off x="6758730" y="2101632"/>
+            <a:ext cx="4623268" cy="3644871"/>
+          </a:xfrm>
+          <a:prstGeom prst="rect">
+            <a:avLst/>
+          </a:prstGeom>
+        </p:spPr>
+      </p:pic>
     </p:spTree>
     <p:extLst>
       <p:ext uri="{BB962C8B-B14F-4D97-AF65-F5344CB8AC3E}">
         <p14:creationId xmlns:p14="http://schemas.microsoft.com/office/powerpoint/2010/main" val="1161021499"/>
+      </p:ext>
+    </p:extLst>
+  </p:cSld>
+  <p:clrMapOvr>
+    <a:masterClrMapping/>
+  </p:clrMapOvr>
+</p:sld>
+</file>
+
+<file path=ppt/slides/slide4.xml><?xml version="1.0" encoding="utf-8"?>
+<p:sld xmlns:a="http://schemas.openxmlformats.org/drawingml/2006/main" xmlns:r="http://schemas.openxmlformats.org/officeDocument/2006/relationships" xmlns:p="http://schemas.openxmlformats.org/presentationml/2006/main">
+  <p:cSld>
+    <p:spTree>
+      <p:nvGrpSpPr>
+        <p:cNvPr id="1" name=""/>
+        <p:cNvGrpSpPr/>
+        <p:nvPr/>
+      </p:nvGrpSpPr>
+      <p:grpSpPr>
+        <a:xfrm>
+          <a:off x="0" y="0"/>
+          <a:ext cx="0" cy="0"/>
+          <a:chOff x="0" y="0"/>
+          <a:chExt cx="0" cy="0"/>
+        </a:xfrm>
+      </p:grpSpPr>
+      <p:sp>
+        <p:nvSpPr>
+          <p:cNvPr id="2" name="Titre 1"/>
+          <p:cNvSpPr>
+            <a:spLocks noGrp="1"/>
+          </p:cNvSpPr>
+          <p:nvPr>
+            <p:ph type="title"/>
+          </p:nvPr>
+        </p:nvSpPr>
+        <p:spPr/>
+        <p:txBody>
+          <a:bodyPr/>
+          <a:lstStyle/>
+          <a:p>
+            <a:r>
+              <a:rPr lang="fr-FR" dirty="0"/>
+              <a:t>Extension Google Chrome Prototypo</a:t>
+            </a:r>
+          </a:p>
+        </p:txBody>
+      </p:sp>
+      <p:sp>
+        <p:nvSpPr>
+          <p:cNvPr id="3" name="Espace réservé du contenu 2"/>
+          <p:cNvSpPr>
+            <a:spLocks noGrp="1"/>
+          </p:cNvSpPr>
+          <p:nvPr>
+            <p:ph idx="1"/>
+          </p:nvPr>
+        </p:nvSpPr>
+        <p:spPr/>
+        <p:txBody>
+          <a:bodyPr/>
+          <a:lstStyle/>
+          <a:p>
+            <a:endParaRPr lang="fr-FR"/>
+          </a:p>
+        </p:txBody>
+      </p:sp>
+      <p:sp>
+        <p:nvSpPr>
+          <p:cNvPr id="4" name="Espace réservé du numéro de diapositive 3"/>
+          <p:cNvSpPr>
+            <a:spLocks noGrp="1"/>
+          </p:cNvSpPr>
+          <p:nvPr>
+            <p:ph type="sldNum" sz="quarter" idx="12"/>
+          </p:nvPr>
+        </p:nvSpPr>
+        <p:spPr/>
+        <p:txBody>
+          <a:bodyPr/>
+          <a:lstStyle/>
+          <a:p>
+            <a:fld id="{D57F1E4F-1CFF-5643-939E-217C01CDF565}" type="slidenum">
+              <a:rPr lang="en-US" smtClean="0"/>
+              <a:pPr/>
+              <a:t>4</a:t>
+            </a:fld>
+            <a:endParaRPr lang="en-US" dirty="0"/>
+          </a:p>
+        </p:txBody>
+      </p:sp>
+    </p:spTree>
+    <p:extLst>
+      <p:ext uri="{BB962C8B-B14F-4D97-AF65-F5344CB8AC3E}">
+        <p14:creationId xmlns:p14="http://schemas.microsoft.com/office/powerpoint/2010/main" val="2100127551"/>
+      </p:ext>
+    </p:extLst>
+  </p:cSld>
+  <p:clrMapOvr>
+    <a:masterClrMapping/>
+  </p:clrMapOvr>
+</p:sld>
+</file>
+
+<file path=ppt/slides/slide5.xml><?xml version="1.0" encoding="utf-8"?>
+<p:sld xmlns:a="http://schemas.openxmlformats.org/drawingml/2006/main" xmlns:r="http://schemas.openxmlformats.org/officeDocument/2006/relationships" xmlns:p="http://schemas.openxmlformats.org/presentationml/2006/main">
+  <p:cSld>
+    <p:spTree>
+      <p:nvGrpSpPr>
+        <p:cNvPr id="1" name=""/>
+        <p:cNvGrpSpPr/>
+        <p:nvPr/>
+      </p:nvGrpSpPr>
+      <p:grpSpPr>
+        <a:xfrm>
+          <a:off x="0" y="0"/>
+          <a:ext cx="0" cy="0"/>
+          <a:chOff x="0" y="0"/>
+          <a:chExt cx="0" cy="0"/>
+        </a:xfrm>
+      </p:grpSpPr>
+      <p:sp>
+        <p:nvSpPr>
+          <p:cNvPr id="2" name="Titre 1"/>
+          <p:cNvSpPr>
+            <a:spLocks noGrp="1"/>
+          </p:cNvSpPr>
+          <p:nvPr>
+            <p:ph type="title"/>
+          </p:nvPr>
+        </p:nvSpPr>
+        <p:spPr/>
+        <p:txBody>
+          <a:bodyPr/>
+          <a:lstStyle/>
+          <a:p>
+            <a:r>
+              <a:rPr lang="fr-FR" dirty="0"/>
+              <a:t>Outil d’affichage de fontes</a:t>
+            </a:r>
+          </a:p>
+        </p:txBody>
+      </p:sp>
+      <p:sp>
+        <p:nvSpPr>
+          <p:cNvPr id="3" name="Espace réservé du contenu 2"/>
+          <p:cNvSpPr>
+            <a:spLocks noGrp="1"/>
+          </p:cNvSpPr>
+          <p:nvPr>
+            <p:ph idx="1"/>
+          </p:nvPr>
+        </p:nvSpPr>
+        <p:spPr/>
+        <p:txBody>
+          <a:bodyPr/>
+          <a:lstStyle/>
+          <a:p>
+            <a:endParaRPr lang="fr-FR"/>
+          </a:p>
+        </p:txBody>
+      </p:sp>
+      <p:sp>
+        <p:nvSpPr>
+          <p:cNvPr id="4" name="Espace réservé du numéro de diapositive 3"/>
+          <p:cNvSpPr>
+            <a:spLocks noGrp="1"/>
+          </p:cNvSpPr>
+          <p:nvPr>
+            <p:ph type="sldNum" sz="quarter" idx="12"/>
+          </p:nvPr>
+        </p:nvSpPr>
+        <p:spPr/>
+        <p:txBody>
+          <a:bodyPr/>
+          <a:lstStyle/>
+          <a:p>
+            <a:fld id="{D57F1E4F-1CFF-5643-939E-217C01CDF565}" type="slidenum">
+              <a:rPr lang="en-US" smtClean="0"/>
+              <a:pPr/>
+              <a:t>5</a:t>
+            </a:fld>
+            <a:endParaRPr lang="en-US" dirty="0"/>
+          </a:p>
+        </p:txBody>
+      </p:sp>
+    </p:spTree>
+    <p:extLst>
+      <p:ext uri="{BB962C8B-B14F-4D97-AF65-F5344CB8AC3E}">
+        <p14:creationId xmlns:p14="http://schemas.microsoft.com/office/powerpoint/2010/main" val="3501057703"/>
+      </p:ext>
+    </p:extLst>
+  </p:cSld>
+  <p:clrMapOvr>
+    <a:masterClrMapping/>
+  </p:clrMapOvr>
+</p:sld>
+</file>
+
+<file path=ppt/slides/slide6.xml><?xml version="1.0" encoding="utf-8"?>
+<p:sld xmlns:a="http://schemas.openxmlformats.org/drawingml/2006/main" xmlns:r="http://schemas.openxmlformats.org/officeDocument/2006/relationships" xmlns:p="http://schemas.openxmlformats.org/presentationml/2006/main">
+  <p:cSld>
+    <p:spTree>
+      <p:nvGrpSpPr>
+        <p:cNvPr id="1" name=""/>
+        <p:cNvGrpSpPr/>
+        <p:nvPr/>
+      </p:nvGrpSpPr>
+      <p:grpSpPr>
+        <a:xfrm>
+          <a:off x="0" y="0"/>
+          <a:ext cx="0" cy="0"/>
+          <a:chOff x="0" y="0"/>
+          <a:chExt cx="0" cy="0"/>
+        </a:xfrm>
+      </p:grpSpPr>
+      <p:sp>
+        <p:nvSpPr>
+          <p:cNvPr id="2" name="Titre 1"/>
+          <p:cNvSpPr>
+            <a:spLocks noGrp="1"/>
+          </p:cNvSpPr>
+          <p:nvPr>
+            <p:ph type="title"/>
+          </p:nvPr>
+        </p:nvSpPr>
+        <p:spPr/>
+        <p:txBody>
+          <a:bodyPr/>
+          <a:lstStyle/>
+          <a:p>
+            <a:r>
+              <a:rPr lang="fr-FR" dirty="0"/>
+              <a:t>Mise à plat des fontes côté client</a:t>
+            </a:r>
+          </a:p>
+        </p:txBody>
+      </p:sp>
+      <p:sp>
+        <p:nvSpPr>
+          <p:cNvPr id="3" name="Espace réservé du contenu 2"/>
+          <p:cNvSpPr>
+            <a:spLocks noGrp="1"/>
+          </p:cNvSpPr>
+          <p:nvPr>
+            <p:ph idx="1"/>
+          </p:nvPr>
+        </p:nvSpPr>
+        <p:spPr/>
+        <p:txBody>
+          <a:bodyPr/>
+          <a:lstStyle/>
+          <a:p>
+            <a:endParaRPr lang="fr-FR"/>
+          </a:p>
+        </p:txBody>
+      </p:sp>
+      <p:sp>
+        <p:nvSpPr>
+          <p:cNvPr id="4" name="Espace réservé du numéro de diapositive 3"/>
+          <p:cNvSpPr>
+            <a:spLocks noGrp="1"/>
+          </p:cNvSpPr>
+          <p:nvPr>
+            <p:ph type="sldNum" sz="quarter" idx="12"/>
+          </p:nvPr>
+        </p:nvSpPr>
+        <p:spPr/>
+        <p:txBody>
+          <a:bodyPr/>
+          <a:lstStyle/>
+          <a:p>
+            <a:fld id="{D57F1E4F-1CFF-5643-939E-217C01CDF565}" type="slidenum">
+              <a:rPr lang="en-US" smtClean="0"/>
+              <a:pPr/>
+              <a:t>6</a:t>
+            </a:fld>
+            <a:endParaRPr lang="en-US" dirty="0"/>
+          </a:p>
+        </p:txBody>
+      </p:sp>
+    </p:spTree>
+    <p:extLst>
+      <p:ext uri="{BB962C8B-B14F-4D97-AF65-F5344CB8AC3E}">
+        <p14:creationId xmlns:p14="http://schemas.microsoft.com/office/powerpoint/2010/main" val="1850539299"/>
+      </p:ext>
+    </p:extLst>
+  </p:cSld>
+  <p:clrMapOvr>
+    <a:masterClrMapping/>
+  </p:clrMapOvr>
+</p:sld>
+</file>
+
+<file path=ppt/slides/slide7.xml><?xml version="1.0" encoding="utf-8"?>
+<p:sld xmlns:a="http://schemas.openxmlformats.org/drawingml/2006/main" xmlns:r="http://schemas.openxmlformats.org/officeDocument/2006/relationships" xmlns:p="http://schemas.openxmlformats.org/presentationml/2006/main">
+  <p:cSld>
+    <p:spTree>
+      <p:nvGrpSpPr>
+        <p:cNvPr id="1" name=""/>
+        <p:cNvGrpSpPr/>
+        <p:nvPr/>
+      </p:nvGrpSpPr>
+      <p:grpSpPr>
+        <a:xfrm>
+          <a:off x="0" y="0"/>
+          <a:ext cx="0" cy="0"/>
+          <a:chOff x="0" y="0"/>
+          <a:chExt cx="0" cy="0"/>
+        </a:xfrm>
+      </p:grpSpPr>
+      <p:sp>
+        <p:nvSpPr>
+          <p:cNvPr id="2" name="Titre 1"/>
+          <p:cNvSpPr>
+            <a:spLocks noGrp="1"/>
+          </p:cNvSpPr>
+          <p:nvPr>
+            <p:ph type="title"/>
+          </p:nvPr>
+        </p:nvSpPr>
+        <p:spPr/>
+        <p:txBody>
+          <a:bodyPr/>
+          <a:lstStyle/>
+          <a:p>
+            <a:r>
+              <a:rPr lang="fr-FR" dirty="0"/>
+              <a:t>Tutoriels pour les nouveaux utilisateurs</a:t>
+            </a:r>
+          </a:p>
+        </p:txBody>
+      </p:sp>
+      <p:sp>
+        <p:nvSpPr>
+          <p:cNvPr id="3" name="Espace réservé du contenu 2"/>
+          <p:cNvSpPr>
+            <a:spLocks noGrp="1"/>
+          </p:cNvSpPr>
+          <p:nvPr>
+            <p:ph idx="1"/>
+          </p:nvPr>
+        </p:nvSpPr>
+        <p:spPr/>
+        <p:txBody>
+          <a:bodyPr/>
+          <a:lstStyle/>
+          <a:p>
+            <a:endParaRPr lang="fr-FR" dirty="0"/>
+          </a:p>
+        </p:txBody>
+      </p:sp>
+      <p:sp>
+        <p:nvSpPr>
+          <p:cNvPr id="4" name="Espace réservé du numéro de diapositive 3"/>
+          <p:cNvSpPr>
+            <a:spLocks noGrp="1"/>
+          </p:cNvSpPr>
+          <p:nvPr>
+            <p:ph type="sldNum" sz="quarter" idx="12"/>
+          </p:nvPr>
+        </p:nvSpPr>
+        <p:spPr/>
+        <p:txBody>
+          <a:bodyPr/>
+          <a:lstStyle/>
+          <a:p>
+            <a:fld id="{D57F1E4F-1CFF-5643-939E-217C01CDF565}" type="slidenum">
+              <a:rPr lang="en-US" smtClean="0"/>
+              <a:pPr/>
+              <a:t>7</a:t>
+            </a:fld>
+            <a:endParaRPr lang="en-US" dirty="0"/>
+          </a:p>
+        </p:txBody>
+      </p:sp>
+    </p:spTree>
+    <p:extLst>
+      <p:ext uri="{BB962C8B-B14F-4D97-AF65-F5344CB8AC3E}">
+        <p14:creationId xmlns:p14="http://schemas.microsoft.com/office/powerpoint/2010/main" val="1834225533"/>
+      </p:ext>
+    </p:extLst>
+  </p:cSld>
+  <p:clrMapOvr>
+    <a:masterClrMapping/>
+  </p:clrMapOvr>
+</p:sld>
+</file>
+
+<file path=ppt/slides/slide8.xml><?xml version="1.0" encoding="utf-8"?>
+<p:sld xmlns:a="http://schemas.openxmlformats.org/drawingml/2006/main" xmlns:r="http://schemas.openxmlformats.org/officeDocument/2006/relationships" xmlns:p="http://schemas.openxmlformats.org/presentationml/2006/main">
+  <p:cSld>
+    <p:spTree>
+      <p:nvGrpSpPr>
+        <p:cNvPr id="1" name=""/>
+        <p:cNvGrpSpPr/>
+        <p:nvPr/>
+      </p:nvGrpSpPr>
+      <p:grpSpPr>
+        <a:xfrm>
+          <a:off x="0" y="0"/>
+          <a:ext cx="0" cy="0"/>
+          <a:chOff x="0" y="0"/>
+          <a:chExt cx="0" cy="0"/>
+        </a:xfrm>
+      </p:grpSpPr>
+      <p:sp>
+        <p:nvSpPr>
+          <p:cNvPr id="2" name="Titre 1"/>
+          <p:cNvSpPr>
+            <a:spLocks noGrp="1"/>
+          </p:cNvSpPr>
+          <p:nvPr>
+            <p:ph type="title"/>
+          </p:nvPr>
+        </p:nvSpPr>
+        <p:spPr/>
+        <p:txBody>
+          <a:bodyPr/>
+          <a:lstStyle/>
+          <a:p>
+            <a:r>
+              <a:rPr lang="fr-FR"/>
+              <a:t>Espacement manuel </a:t>
+            </a:r>
+            <a:r>
+              <a:rPr lang="fr-FR" dirty="0"/>
+              <a:t>de caractères</a:t>
+            </a:r>
+          </a:p>
+        </p:txBody>
+      </p:sp>
+      <p:sp>
+        <p:nvSpPr>
+          <p:cNvPr id="3" name="Espace réservé du contenu 2"/>
+          <p:cNvSpPr>
+            <a:spLocks noGrp="1"/>
+          </p:cNvSpPr>
+          <p:nvPr>
+            <p:ph idx="1"/>
+          </p:nvPr>
+        </p:nvSpPr>
+        <p:spPr/>
+        <p:txBody>
+          <a:bodyPr/>
+          <a:lstStyle/>
+          <a:p>
+            <a:endParaRPr lang="fr-FR"/>
+          </a:p>
+        </p:txBody>
+      </p:sp>
+      <p:sp>
+        <p:nvSpPr>
+          <p:cNvPr id="4" name="Espace réservé du numéro de diapositive 3"/>
+          <p:cNvSpPr>
+            <a:spLocks noGrp="1"/>
+          </p:cNvSpPr>
+          <p:nvPr>
+            <p:ph type="sldNum" sz="quarter" idx="12"/>
+          </p:nvPr>
+        </p:nvSpPr>
+        <p:spPr/>
+        <p:txBody>
+          <a:bodyPr/>
+          <a:lstStyle/>
+          <a:p>
+            <a:fld id="{D57F1E4F-1CFF-5643-939E-217C01CDF565}" type="slidenum">
+              <a:rPr lang="en-US" smtClean="0"/>
+              <a:pPr/>
+              <a:t>8</a:t>
+            </a:fld>
+            <a:endParaRPr lang="en-US" dirty="0"/>
+          </a:p>
+        </p:txBody>
+      </p:sp>
+    </p:spTree>
+    <p:extLst>
+      <p:ext uri="{BB962C8B-B14F-4D97-AF65-F5344CB8AC3E}">
+        <p14:creationId xmlns:p14="http://schemas.microsoft.com/office/powerpoint/2010/main" val="1989936160"/>
       </p:ext>
     </p:extLst>
   </p:cSld>

--- a/Stage/Soutenance/presentation_soutenance.pptx
+++ b/Stage/Soutenance/presentation_soutenance.pptx
@@ -5,7 +5,7 @@
     <p:sldMasterId id="2147483648" r:id="rId1"/>
   </p:sldMasterIdLst>
   <p:notesMasterIdLst>
-    <p:notesMasterId r:id="rId10"/>
+    <p:notesMasterId r:id="rId12"/>
   </p:notesMasterIdLst>
   <p:sldIdLst>
     <p:sldId id="256" r:id="rId2"/>
@@ -16,6 +16,8 @@
     <p:sldId id="261" r:id="rId7"/>
     <p:sldId id="262" r:id="rId8"/>
     <p:sldId id="263" r:id="rId9"/>
+    <p:sldId id="264" r:id="rId10"/>
+    <p:sldId id="265" r:id="rId11"/>
   </p:sldIdLst>
   <p:sldSz cx="12192000" cy="6858000"/>
   <p:notesSz cx="6858000" cy="9144000"/>
@@ -566,7 +568,7 @@
           <a:effectLst/>
           <a:extLst>
             <a:ext uri="{91240B29-F687-4f45-9708-019B960494DF}">
-              <a14:hiddenLine xmlns:a14="http://schemas.microsoft.com/office/drawing/2010/main" xmlns="" w="9525">
+              <a14:hiddenLine xmlns="" xmlns:a14="http://schemas.microsoft.com/office/drawing/2010/main" w="9525">
                 <a:solidFill>
                   <a:srgbClr val="000000"/>
                 </a:solidFill>
@@ -2072,7 +2074,7 @@
           <a:ln/>
           <a:extLst>
             <a:ext uri="{91240B29-F687-4f45-9708-019B960494DF}">
-              <a14:hiddenLine xmlns:a14="http://schemas.microsoft.com/office/drawing/2010/main" xmlns="" w="9525">
+              <a14:hiddenLine xmlns="" xmlns:a14="http://schemas.microsoft.com/office/drawing/2010/main" w="9525">
                 <a:solidFill>
                   <a:srgbClr val="000000"/>
                 </a:solidFill>
@@ -2343,7 +2345,7 @@
           <a:ln/>
           <a:extLst>
             <a:ext uri="{91240B29-F687-4f45-9708-019B960494DF}">
-              <a14:hiddenLine xmlns:a14="http://schemas.microsoft.com/office/drawing/2010/main" xmlns="" w="9525">
+              <a14:hiddenLine xmlns="" xmlns:a14="http://schemas.microsoft.com/office/drawing/2010/main" w="9525">
                 <a:solidFill>
                   <a:srgbClr val="000000"/>
                 </a:solidFill>
@@ -2622,7 +2624,7 @@
           <a:ln/>
           <a:extLst>
             <a:ext uri="{91240B29-F687-4f45-9708-019B960494DF}">
-              <a14:hiddenLine xmlns:a14="http://schemas.microsoft.com/office/drawing/2010/main" xmlns="" w="9525">
+              <a14:hiddenLine xmlns="" xmlns:a14="http://schemas.microsoft.com/office/drawing/2010/main" w="9525">
                 <a:solidFill>
                   <a:srgbClr val="000000"/>
                 </a:solidFill>
@@ -3240,7 +3242,7 @@
           <a:ln/>
           <a:extLst>
             <a:ext uri="{91240B29-F687-4f45-9708-019B960494DF}">
-              <a14:hiddenLine xmlns:a14="http://schemas.microsoft.com/office/drawing/2010/main" xmlns="" w="9525">
+              <a14:hiddenLine xmlns="" xmlns:a14="http://schemas.microsoft.com/office/drawing/2010/main" w="9525">
                 <a:solidFill>
                   <a:srgbClr val="000000"/>
                 </a:solidFill>
@@ -3575,7 +3577,7 @@
           <a:ln/>
           <a:extLst>
             <a:ext uri="{91240B29-F687-4f45-9708-019B960494DF}">
-              <a14:hiddenLine xmlns:a14="http://schemas.microsoft.com/office/drawing/2010/main" xmlns="" w="9525">
+              <a14:hiddenLine xmlns="" xmlns:a14="http://schemas.microsoft.com/office/drawing/2010/main" w="9525">
                 <a:solidFill>
                   <a:srgbClr val="000000"/>
                 </a:solidFill>
@@ -4048,7 +4050,7 @@
           <a:ln/>
           <a:extLst>
             <a:ext uri="{91240B29-F687-4f45-9708-019B960494DF}">
-              <a14:hiddenLine xmlns:a14="http://schemas.microsoft.com/office/drawing/2010/main" xmlns="" w="9525">
+              <a14:hiddenLine xmlns="" xmlns:a14="http://schemas.microsoft.com/office/drawing/2010/main" w="9525">
                 <a:solidFill>
                   <a:srgbClr val="000000"/>
                 </a:solidFill>
@@ -4469,7 +4471,7 @@
           <a:ln/>
           <a:extLst>
             <a:ext uri="{91240B29-F687-4f45-9708-019B960494DF}">
-              <a14:hiddenLine xmlns:a14="http://schemas.microsoft.com/office/drawing/2010/main" xmlns="" w="9525">
+              <a14:hiddenLine xmlns="" xmlns:a14="http://schemas.microsoft.com/office/drawing/2010/main" w="9525">
                 <a:solidFill>
                   <a:srgbClr val="000000"/>
                 </a:solidFill>
@@ -5781,6 +5783,101 @@
 </p:sld>
 </file>
 
+<file path=ppt/slides/slide10.xml><?xml version="1.0" encoding="utf-8"?>
+<p:sld xmlns:a="http://schemas.openxmlformats.org/drawingml/2006/main" xmlns:r="http://schemas.openxmlformats.org/officeDocument/2006/relationships" xmlns:p="http://schemas.openxmlformats.org/presentationml/2006/main">
+  <p:cSld>
+    <p:spTree>
+      <p:nvGrpSpPr>
+        <p:cNvPr id="1" name=""/>
+        <p:cNvGrpSpPr/>
+        <p:nvPr/>
+      </p:nvGrpSpPr>
+      <p:grpSpPr>
+        <a:xfrm>
+          <a:off x="0" y="0"/>
+          <a:ext cx="0" cy="0"/>
+          <a:chOff x="0" y="0"/>
+          <a:chExt cx="0" cy="0"/>
+        </a:xfrm>
+      </p:grpSpPr>
+      <p:sp>
+        <p:nvSpPr>
+          <p:cNvPr id="2" name="Titre 1"/>
+          <p:cNvSpPr>
+            <a:spLocks noGrp="1"/>
+          </p:cNvSpPr>
+          <p:nvPr>
+            <p:ph type="title"/>
+          </p:nvPr>
+        </p:nvSpPr>
+        <p:spPr/>
+        <p:txBody>
+          <a:bodyPr/>
+          <a:lstStyle/>
+          <a:p>
+            <a:r>
+              <a:rPr lang="fr-FR" dirty="0"/>
+              <a:t>Bilan</a:t>
+            </a:r>
+          </a:p>
+        </p:txBody>
+      </p:sp>
+      <p:sp>
+        <p:nvSpPr>
+          <p:cNvPr id="3" name="Espace réservé du contenu 2"/>
+          <p:cNvSpPr>
+            <a:spLocks noGrp="1"/>
+          </p:cNvSpPr>
+          <p:nvPr>
+            <p:ph idx="1"/>
+          </p:nvPr>
+        </p:nvSpPr>
+        <p:spPr/>
+        <p:txBody>
+          <a:bodyPr/>
+          <a:lstStyle/>
+          <a:p>
+            <a:endParaRPr lang="fr-FR" dirty="0"/>
+          </a:p>
+        </p:txBody>
+      </p:sp>
+      <p:sp>
+        <p:nvSpPr>
+          <p:cNvPr id="4" name="Espace réservé du numéro de diapositive 3"/>
+          <p:cNvSpPr>
+            <a:spLocks noGrp="1"/>
+          </p:cNvSpPr>
+          <p:nvPr>
+            <p:ph type="sldNum" sz="quarter" idx="12"/>
+          </p:nvPr>
+        </p:nvSpPr>
+        <p:spPr/>
+        <p:txBody>
+          <a:bodyPr/>
+          <a:lstStyle/>
+          <a:p>
+            <a:fld id="{D57F1E4F-1CFF-5643-939E-217C01CDF565}" type="slidenum">
+              <a:rPr lang="en-US" smtClean="0"/>
+              <a:pPr/>
+              <a:t>10</a:t>
+            </a:fld>
+            <a:endParaRPr lang="en-US" dirty="0"/>
+          </a:p>
+        </p:txBody>
+      </p:sp>
+    </p:spTree>
+    <p:extLst>
+      <p:ext uri="{BB962C8B-B14F-4D97-AF65-F5344CB8AC3E}">
+        <p14:creationId xmlns:p14="http://schemas.microsoft.com/office/powerpoint/2010/main" val="2701766594"/>
+      </p:ext>
+    </p:extLst>
+  </p:cSld>
+  <p:clrMapOvr>
+    <a:masterClrMapping/>
+  </p:clrMapOvr>
+</p:sld>
+</file>
+
 <file path=ppt/slides/slide2.xml><?xml version="1.0" encoding="utf-8"?>
 <p:sld xmlns:a="http://schemas.openxmlformats.org/drawingml/2006/main" xmlns:r="http://schemas.openxmlformats.org/officeDocument/2006/relationships" xmlns:p="http://schemas.openxmlformats.org/presentationml/2006/main">
   <p:cSld>
@@ -5843,7 +5940,7 @@
             </a:pPr>
             <a:r>
               <a:rPr lang="fr-FR" sz="3600" dirty="0"/>
-              <a:t>L’application Prototypo et son contexte</a:t>
+              <a:t> L’application Prototypo et son contexte</a:t>
             </a:r>
           </a:p>
           <a:p>
@@ -5853,7 +5950,7 @@
             </a:pPr>
             <a:r>
               <a:rPr lang="fr-FR" sz="3600" dirty="0"/>
-              <a:t>Amélioration de l’expérience utilisateur</a:t>
+              <a:t> Amélioration de l’expérience utilisateur</a:t>
             </a:r>
           </a:p>
           <a:p>
@@ -5863,7 +5960,7 @@
             </a:pPr>
             <a:r>
               <a:rPr lang="fr-FR" sz="3600" dirty="0"/>
-              <a:t>Problématique de mise à plat des fontes</a:t>
+              <a:t> Problématique de mise à plat des fontes</a:t>
             </a:r>
           </a:p>
           <a:p>
@@ -5873,7 +5970,7 @@
             </a:pPr>
             <a:r>
               <a:rPr lang="fr-FR" sz="3600" dirty="0"/>
-              <a:t>Retour d’expérience</a:t>
+              <a:t> Retour d’expérience</a:t>
             </a:r>
           </a:p>
         </p:txBody>
@@ -6090,7 +6187,7 @@
           <a:p>
             <a:r>
               <a:rPr lang="fr-FR" dirty="0"/>
-              <a:t>Extension Google Chrome Prototypo</a:t>
+              <a:t>React</a:t>
             </a:r>
           </a:p>
         </p:txBody>
@@ -6185,7 +6282,7 @@
           <a:p>
             <a:r>
               <a:rPr lang="fr-FR" dirty="0"/>
-              <a:t>Outil d’affichage de fontes</a:t>
+              <a:t>React</a:t>
             </a:r>
           </a:p>
         </p:txBody>
@@ -6280,7 +6377,7 @@
           <a:p>
             <a:r>
               <a:rPr lang="fr-FR" dirty="0"/>
-              <a:t>Mise à plat des fontes côté client</a:t>
+              <a:t>React</a:t>
             </a:r>
           </a:p>
         </p:txBody>
@@ -6375,7 +6472,7 @@
           <a:p>
             <a:r>
               <a:rPr lang="fr-FR" dirty="0"/>
-              <a:t>Tutoriels pour les nouveaux utilisateurs</a:t>
+              <a:t>Merge</a:t>
             </a:r>
           </a:p>
         </p:txBody>
@@ -6469,12 +6566,8 @@
           <a:lstStyle/>
           <a:p>
             <a:r>
-              <a:rPr lang="fr-FR"/>
-              <a:t>Espacement manuel </a:t>
-            </a:r>
-            <a:r>
               <a:rPr lang="fr-FR" dirty="0"/>
-              <a:t>de caractères</a:t>
+              <a:t>Merge</a:t>
             </a:r>
           </a:p>
         </p:txBody>
@@ -6526,6 +6619,101 @@
     <p:extLst>
       <p:ext uri="{BB962C8B-B14F-4D97-AF65-F5344CB8AC3E}">
         <p14:creationId xmlns:p14="http://schemas.microsoft.com/office/powerpoint/2010/main" val="1989936160"/>
+      </p:ext>
+    </p:extLst>
+  </p:cSld>
+  <p:clrMapOvr>
+    <a:masterClrMapping/>
+  </p:clrMapOvr>
+</p:sld>
+</file>
+
+<file path=ppt/slides/slide9.xml><?xml version="1.0" encoding="utf-8"?>
+<p:sld xmlns:a="http://schemas.openxmlformats.org/drawingml/2006/main" xmlns:r="http://schemas.openxmlformats.org/officeDocument/2006/relationships" xmlns:p="http://schemas.openxmlformats.org/presentationml/2006/main">
+  <p:cSld>
+    <p:spTree>
+      <p:nvGrpSpPr>
+        <p:cNvPr id="1" name=""/>
+        <p:cNvGrpSpPr/>
+        <p:nvPr/>
+      </p:nvGrpSpPr>
+      <p:grpSpPr>
+        <a:xfrm>
+          <a:off x="0" y="0"/>
+          <a:ext cx="0" cy="0"/>
+          <a:chOff x="0" y="0"/>
+          <a:chExt cx="0" cy="0"/>
+        </a:xfrm>
+      </p:grpSpPr>
+      <p:sp>
+        <p:nvSpPr>
+          <p:cNvPr id="2" name="Titre 1"/>
+          <p:cNvSpPr>
+            <a:spLocks noGrp="1"/>
+          </p:cNvSpPr>
+          <p:nvPr>
+            <p:ph type="title"/>
+          </p:nvPr>
+        </p:nvSpPr>
+        <p:spPr/>
+        <p:txBody>
+          <a:bodyPr/>
+          <a:lstStyle/>
+          <a:p>
+            <a:r>
+              <a:rPr lang="fr-FR" dirty="0"/>
+              <a:t>Merge</a:t>
+            </a:r>
+          </a:p>
+        </p:txBody>
+      </p:sp>
+      <p:sp>
+        <p:nvSpPr>
+          <p:cNvPr id="3" name="Espace réservé du contenu 2"/>
+          <p:cNvSpPr>
+            <a:spLocks noGrp="1"/>
+          </p:cNvSpPr>
+          <p:nvPr>
+            <p:ph idx="1"/>
+          </p:nvPr>
+        </p:nvSpPr>
+        <p:spPr/>
+        <p:txBody>
+          <a:bodyPr/>
+          <a:lstStyle/>
+          <a:p>
+            <a:endParaRPr lang="fr-FR"/>
+          </a:p>
+        </p:txBody>
+      </p:sp>
+      <p:sp>
+        <p:nvSpPr>
+          <p:cNvPr id="4" name="Espace réservé du numéro de diapositive 3"/>
+          <p:cNvSpPr>
+            <a:spLocks noGrp="1"/>
+          </p:cNvSpPr>
+          <p:nvPr>
+            <p:ph type="sldNum" sz="quarter" idx="12"/>
+          </p:nvPr>
+        </p:nvSpPr>
+        <p:spPr/>
+        <p:txBody>
+          <a:bodyPr/>
+          <a:lstStyle/>
+          <a:p>
+            <a:fld id="{D57F1E4F-1CFF-5643-939E-217C01CDF565}" type="slidenum">
+              <a:rPr lang="en-US" smtClean="0"/>
+              <a:pPr/>
+              <a:t>9</a:t>
+            </a:fld>
+            <a:endParaRPr lang="en-US" dirty="0"/>
+          </a:p>
+        </p:txBody>
+      </p:sp>
+    </p:spTree>
+    <p:extLst>
+      <p:ext uri="{BB962C8B-B14F-4D97-AF65-F5344CB8AC3E}">
+        <p14:creationId xmlns:p14="http://schemas.microsoft.com/office/powerpoint/2010/main" val="354188326"/>
       </p:ext>
     </p:extLst>
   </p:cSld>

--- a/Stage/Soutenance/presentation_soutenance.pptx
+++ b/Stage/Soutenance/presentation_soutenance.pptx
@@ -206,7 +206,7 @@
           <a:p>
             <a:fld id="{56163B51-D82A-4D29-A210-4A907BE6F4CC}" type="datetimeFigureOut">
               <a:rPr lang="fr-FR" smtClean="0"/>
-              <a:t>28/08/2016</a:t>
+              <a:t>29/08/2016</a:t>
             </a:fld>
             <a:endParaRPr lang="fr-FR"/>
           </a:p>
@@ -568,7 +568,7 @@
           <a:effectLst/>
           <a:extLst>
             <a:ext uri="{91240B29-F687-4f45-9708-019B960494DF}">
-              <a14:hiddenLine xmlns="" xmlns:a14="http://schemas.microsoft.com/office/drawing/2010/main" w="9525">
+              <a14:hiddenLine xmlns:a14="http://schemas.microsoft.com/office/drawing/2010/main" xmlns="" w="9525">
                 <a:solidFill>
                   <a:srgbClr val="000000"/>
                 </a:solidFill>
@@ -760,7 +760,7 @@
           <a:p>
             <a:fld id="{6225ACAE-4E22-45CC-9988-9F9D18EE1FEC}" type="datetime1">
               <a:rPr lang="en-US" smtClean="0"/>
-              <a:t>8/28/2016</a:t>
+              <a:t>8/29/2016</a:t>
             </a:fld>
             <a:endParaRPr lang="en-US" dirty="0"/>
           </a:p>
@@ -1074,7 +1074,7 @@
           <a:p>
             <a:fld id="{8C063568-E327-47E5-9639-0D742D89E778}" type="datetime1">
               <a:rPr lang="en-US" smtClean="0"/>
-              <a:t>8/28/2016</a:t>
+              <a:t>8/29/2016</a:t>
             </a:fld>
             <a:endParaRPr lang="en-US" dirty="0"/>
           </a:p>
@@ -1558,7 +1558,7 @@
           <a:p>
             <a:fld id="{7B74AD5E-9826-45F7-A00A-4800E29C0A87}" type="datetime1">
               <a:rPr lang="en-US" smtClean="0"/>
-              <a:t>8/28/2016</a:t>
+              <a:t>8/29/2016</a:t>
             </a:fld>
             <a:endParaRPr lang="en-US" dirty="0"/>
           </a:p>
@@ -1923,7 +1923,7 @@
           <a:p>
             <a:fld id="{09411DB4-1047-4CC5-A285-991A8F2654F4}" type="datetime1">
               <a:rPr lang="en-US" smtClean="0"/>
-              <a:t>8/28/2016</a:t>
+              <a:t>8/29/2016</a:t>
             </a:fld>
             <a:endParaRPr lang="en-US" dirty="0"/>
           </a:p>
@@ -2074,7 +2074,7 @@
           <a:ln/>
           <a:extLst>
             <a:ext uri="{91240B29-F687-4f45-9708-019B960494DF}">
-              <a14:hiddenLine xmlns="" xmlns:a14="http://schemas.microsoft.com/office/drawing/2010/main" w="9525">
+              <a14:hiddenLine xmlns:a14="http://schemas.microsoft.com/office/drawing/2010/main" xmlns="" w="9525">
                 <a:solidFill>
                   <a:srgbClr val="000000"/>
                 </a:solidFill>
@@ -2192,7 +2192,7 @@
           <a:p>
             <a:fld id="{E60448EC-E88D-4690-B5FF-5C1B76450F5E}" type="datetime1">
               <a:rPr lang="en-US" smtClean="0"/>
-              <a:t>8/28/2016</a:t>
+              <a:t>8/29/2016</a:t>
             </a:fld>
             <a:endParaRPr lang="en-US" dirty="0"/>
           </a:p>
@@ -2345,7 +2345,7 @@
           <a:ln/>
           <a:extLst>
             <a:ext uri="{91240B29-F687-4f45-9708-019B960494DF}">
-              <a14:hiddenLine xmlns="" xmlns:a14="http://schemas.microsoft.com/office/drawing/2010/main" w="9525">
+              <a14:hiddenLine xmlns:a14="http://schemas.microsoft.com/office/drawing/2010/main" xmlns="" w="9525">
                 <a:solidFill>
                   <a:srgbClr val="000000"/>
                 </a:solidFill>
@@ -2473,7 +2473,7 @@
           <a:p>
             <a:fld id="{529E437C-6926-4D4D-855D-6F4959BBC356}" type="datetime1">
               <a:rPr lang="en-US" smtClean="0"/>
-              <a:t>8/28/2016</a:t>
+              <a:t>8/29/2016</a:t>
             </a:fld>
             <a:endParaRPr lang="en-US" dirty="0"/>
           </a:p>
@@ -2624,7 +2624,7 @@
           <a:ln/>
           <a:extLst>
             <a:ext uri="{91240B29-F687-4f45-9708-019B960494DF}">
-              <a14:hiddenLine xmlns="" xmlns:a14="http://schemas.microsoft.com/office/drawing/2010/main" w="9525">
+              <a14:hiddenLine xmlns:a14="http://schemas.microsoft.com/office/drawing/2010/main" xmlns="" w="9525">
                 <a:solidFill>
                   <a:srgbClr val="000000"/>
                 </a:solidFill>
@@ -2752,7 +2752,7 @@
           <a:p>
             <a:fld id="{DC728542-3D26-437F-B136-0895A0EDA59E}" type="datetime1">
               <a:rPr lang="en-US" smtClean="0"/>
-              <a:t>8/28/2016</a:t>
+              <a:t>8/29/2016</a:t>
             </a:fld>
             <a:endParaRPr lang="en-US" dirty="0"/>
           </a:p>
@@ -3091,7 +3091,7 @@
           <a:p>
             <a:fld id="{C307296C-244B-4794-BC02-7013F2BB64B7}" type="datetime1">
               <a:rPr lang="en-US" smtClean="0"/>
-              <a:t>8/28/2016</a:t>
+              <a:t>8/29/2016</a:t>
             </a:fld>
             <a:endParaRPr lang="en-US" dirty="0"/>
           </a:p>
@@ -3242,7 +3242,7 @@
           <a:ln/>
           <a:extLst>
             <a:ext uri="{91240B29-F687-4f45-9708-019B960494DF}">
-              <a14:hiddenLine xmlns="" xmlns:a14="http://schemas.microsoft.com/office/drawing/2010/main" w="9525">
+              <a14:hiddenLine xmlns:a14="http://schemas.microsoft.com/office/drawing/2010/main" xmlns="" w="9525">
                 <a:solidFill>
                   <a:srgbClr val="000000"/>
                 </a:solidFill>
@@ -3426,7 +3426,7 @@
           <a:p>
             <a:fld id="{BBD09A86-4465-4DED-9FCA-7BB7C7E5D64E}" type="datetime1">
               <a:rPr lang="en-US" smtClean="0"/>
-              <a:t>8/28/2016</a:t>
+              <a:t>8/29/2016</a:t>
             </a:fld>
             <a:endParaRPr lang="en-US" dirty="0"/>
           </a:p>
@@ -3577,7 +3577,7 @@
           <a:ln/>
           <a:extLst>
             <a:ext uri="{91240B29-F687-4f45-9708-019B960494DF}">
-              <a14:hiddenLine xmlns="" xmlns:a14="http://schemas.microsoft.com/office/drawing/2010/main" w="9525">
+              <a14:hiddenLine xmlns:a14="http://schemas.microsoft.com/office/drawing/2010/main" xmlns="" w="9525">
                 <a:solidFill>
                   <a:srgbClr val="000000"/>
                 </a:solidFill>
@@ -3899,7 +3899,7 @@
           <a:p>
             <a:fld id="{5AF3477A-2715-43E1-A878-2F4A93FE8BE0}" type="datetime1">
               <a:rPr lang="en-US" smtClean="0"/>
-              <a:t>8/28/2016</a:t>
+              <a:t>8/29/2016</a:t>
             </a:fld>
             <a:endParaRPr lang="en-US" dirty="0"/>
           </a:p>
@@ -4050,7 +4050,7 @@
           <a:ln/>
           <a:extLst>
             <a:ext uri="{91240B29-F687-4f45-9708-019B960494DF}">
-              <a14:hiddenLine xmlns="" xmlns:a14="http://schemas.microsoft.com/office/drawing/2010/main" w="9525">
+              <a14:hiddenLine xmlns:a14="http://schemas.microsoft.com/office/drawing/2010/main" xmlns="" w="9525">
                 <a:solidFill>
                   <a:srgbClr val="000000"/>
                 </a:solidFill>
@@ -4116,7 +4116,7 @@
           <a:p>
             <a:fld id="{44FBA4D1-49DC-49C6-AB19-F9D339949CA5}" type="datetime1">
               <a:rPr lang="en-US" smtClean="0"/>
-              <a:t>8/28/2016</a:t>
+              <a:t>8/29/2016</a:t>
             </a:fld>
             <a:endParaRPr lang="en-US" dirty="0"/>
           </a:p>
@@ -4207,7 +4207,7 @@
           <a:p>
             <a:fld id="{A8A38DB8-5E36-49F7-9198-2795B2D4B58E}" type="datetime1">
               <a:rPr lang="en-US" smtClean="0"/>
-              <a:t>8/28/2016</a:t>
+              <a:t>8/29/2016</a:t>
             </a:fld>
             <a:endParaRPr lang="en-US" dirty="0"/>
           </a:p>
@@ -4471,7 +4471,7 @@
           <a:ln/>
           <a:extLst>
             <a:ext uri="{91240B29-F687-4f45-9708-019B960494DF}">
-              <a14:hiddenLine xmlns="" xmlns:a14="http://schemas.microsoft.com/office/drawing/2010/main" w="9525">
+              <a14:hiddenLine xmlns:a14="http://schemas.microsoft.com/office/drawing/2010/main" xmlns="" w="9525">
                 <a:solidFill>
                   <a:srgbClr val="000000"/>
                 </a:solidFill>
@@ -4670,7 +4670,7 @@
           <a:p>
             <a:fld id="{4F74C367-B738-4DFE-8B5A-1D731A81C08A}" type="datetime1">
               <a:rPr lang="en-US" smtClean="0"/>
-              <a:t>8/28/2016</a:t>
+              <a:t>8/29/2016</a:t>
             </a:fld>
             <a:endParaRPr lang="en-US" dirty="0"/>
           </a:p>
@@ -4979,7 +4979,7 @@
           <a:p>
             <a:fld id="{B1359FD5-1921-40BD-8EFE-971A1144B8CC}" type="datetime1">
               <a:rPr lang="en-US" smtClean="0"/>
-              <a:t>8/28/2016</a:t>
+              <a:t>8/29/2016</a:t>
             </a:fld>
             <a:endParaRPr lang="en-US" dirty="0"/>
           </a:p>
@@ -5245,7 +5245,7 @@
           <a:p>
             <a:fld id="{B88EBC77-A7B9-4146-B5E5-DC4ED5D57AF8}" type="datetime1">
               <a:rPr lang="en-US" smtClean="0"/>
-              <a:t>8/28/2016</a:t>
+              <a:t>8/29/2016</a:t>
             </a:fld>
             <a:endParaRPr lang="en-US" dirty="0"/>
           </a:p>
@@ -5701,21 +5701,30 @@
             <p:ph type="ctrTitle"/>
           </p:nvPr>
         </p:nvSpPr>
-        <p:spPr/>
-        <p:txBody>
-          <a:bodyPr/>
-          <a:lstStyle/>
-          <a:p>
+        <p:spPr>
+          <a:xfrm>
+            <a:off x="486561" y="369117"/>
+            <a:ext cx="10895440" cy="4051082"/>
+          </a:xfrm>
+        </p:spPr>
+        <p:txBody>
+          <a:bodyPr anchor="t"/>
+          <a:lstStyle/>
+          <a:p>
+            <a:pPr algn="ctr"/>
             <a:r>
               <a:rPr lang="fr-FR" dirty="0"/>
-              <a:t>Soutenance de stage</a:t>
+              <a:t>Prototypo</a:t>
             </a:r>
             <a:br>
               <a:rPr lang="fr-FR" dirty="0"/>
             </a:br>
-            <a:r>
+            <a:br>
               <a:rPr lang="fr-FR" dirty="0"/>
-              <a:t>Entreprise Prototypo</a:t>
+            </a:br>
+            <a:r>
+              <a:rPr lang="fr-FR" sz="4000" dirty="0"/>
+              <a:t>Application d’édition de typographie</a:t>
             </a:r>
           </a:p>
         </p:txBody>
@@ -5730,18 +5739,27 @@
             <p:ph type="subTitle" idx="1"/>
           </p:nvPr>
         </p:nvSpPr>
-        <p:spPr/>
-        <p:txBody>
-          <a:bodyPr/>
+        <p:spPr>
+          <a:xfrm>
+            <a:off x="810001" y="5280847"/>
+            <a:ext cx="10572000" cy="1125640"/>
+          </a:xfrm>
+        </p:spPr>
+        <p:txBody>
+          <a:bodyPr>
+            <a:normAutofit/>
+          </a:bodyPr>
           <a:lstStyle/>
           <a:p>
             <a:r>
               <a:rPr lang="fr-FR" dirty="0"/>
-              <a:t>Martin BOLOT – IUT Informatique Lyon 1 – </a:t>
-            </a:r>
-            <a:r>
-              <a:rPr lang="fr-FR"/>
-              <a:t>Année Spéciale</a:t>
+              <a:t>Martin BOLOT – IUT Informatique Lyon 1 – Année Spéciale promotion 2015/2016</a:t>
+            </a:r>
+          </a:p>
+          <a:p>
+            <a:r>
+              <a:rPr lang="fr-FR" dirty="0"/>
+              <a:t>Soutenance de stage en entreprise – période du 13 juin au 26 août 2016</a:t>
             </a:r>
           </a:p>
         </p:txBody>
@@ -6132,8 +6150,8 @@
         </p:blipFill>
         <p:spPr>
           <a:xfrm>
-            <a:off x="6758730" y="2101632"/>
-            <a:ext cx="4623268" cy="3644871"/>
+            <a:off x="6174297" y="2300864"/>
+            <a:ext cx="5207701" cy="4105624"/>
           </a:xfrm>
           <a:prstGeom prst="rect">
             <a:avLst/>
@@ -6187,27 +6205,8 @@
           <a:p>
             <a:r>
               <a:rPr lang="fr-FR" dirty="0"/>
-              <a:t>React</a:t>
-            </a:r>
-          </a:p>
-        </p:txBody>
-      </p:sp>
-      <p:sp>
-        <p:nvSpPr>
-          <p:cNvPr id="3" name="Espace réservé du contenu 2"/>
-          <p:cNvSpPr>
-            <a:spLocks noGrp="1"/>
-          </p:cNvSpPr>
-          <p:nvPr>
-            <p:ph idx="1"/>
-          </p:nvPr>
-        </p:nvSpPr>
-        <p:spPr/>
-        <p:txBody>
-          <a:bodyPr/>
-          <a:lstStyle/>
-          <a:p>
-            <a:endParaRPr lang="fr-FR"/>
+              <a:t>Le rôle de React</a:t>
+            </a:r>
           </a:p>
         </p:txBody>
       </p:sp>
@@ -6232,6 +6231,181 @@
               <a:t>4</a:t>
             </a:fld>
             <a:endParaRPr lang="en-US" dirty="0"/>
+          </a:p>
+        </p:txBody>
+      </p:sp>
+      <p:pic>
+        <p:nvPicPr>
+          <p:cNvPr id="8" name="Espace réservé du contenu 7"/>
+          <p:cNvPicPr>
+            <a:picLocks noGrp="1" noChangeAspect="1"/>
+          </p:cNvPicPr>
+          <p:nvPr>
+            <p:ph idx="1"/>
+          </p:nvPr>
+        </p:nvPicPr>
+        <p:blipFill>
+          <a:blip r:embed="rId2"/>
+          <a:stretch>
+            <a:fillRect/>
+          </a:stretch>
+        </p:blipFill>
+        <p:spPr>
+          <a:xfrm>
+            <a:off x="810000" y="2365168"/>
+            <a:ext cx="3619387" cy="1359630"/>
+          </a:xfrm>
+        </p:spPr>
+      </p:pic>
+      <p:pic>
+        <p:nvPicPr>
+          <p:cNvPr id="9" name="Image 8"/>
+          <p:cNvPicPr>
+            <a:picLocks noChangeAspect="1"/>
+          </p:cNvPicPr>
+          <p:nvPr/>
+        </p:nvPicPr>
+        <p:blipFill>
+          <a:blip r:embed="rId3"/>
+          <a:stretch>
+            <a:fillRect/>
+          </a:stretch>
+        </p:blipFill>
+        <p:spPr>
+          <a:xfrm>
+            <a:off x="810000" y="4014496"/>
+            <a:ext cx="3619387" cy="2380021"/>
+          </a:xfrm>
+          <a:prstGeom prst="rect">
+            <a:avLst/>
+          </a:prstGeom>
+        </p:spPr>
+      </p:pic>
+      <p:pic>
+        <p:nvPicPr>
+          <p:cNvPr id="10" name="Image 9"/>
+          <p:cNvPicPr>
+            <a:picLocks noChangeAspect="1"/>
+          </p:cNvPicPr>
+          <p:nvPr/>
+        </p:nvPicPr>
+        <p:blipFill>
+          <a:blip r:embed="rId4"/>
+          <a:stretch>
+            <a:fillRect/>
+          </a:stretch>
+        </p:blipFill>
+        <p:spPr>
+          <a:xfrm>
+            <a:off x="5562379" y="2365168"/>
+            <a:ext cx="5395259" cy="1359630"/>
+          </a:xfrm>
+          <a:prstGeom prst="rect">
+            <a:avLst/>
+          </a:prstGeom>
+        </p:spPr>
+      </p:pic>
+      <p:pic>
+        <p:nvPicPr>
+          <p:cNvPr id="11" name="Image 10"/>
+          <p:cNvPicPr>
+            <a:picLocks noChangeAspect="1"/>
+          </p:cNvPicPr>
+          <p:nvPr/>
+        </p:nvPicPr>
+        <p:blipFill>
+          <a:blip r:embed="rId5"/>
+          <a:stretch>
+            <a:fillRect/>
+          </a:stretch>
+        </p:blipFill>
+        <p:spPr>
+          <a:xfrm>
+            <a:off x="5819311" y="4014496"/>
+            <a:ext cx="4881393" cy="2391991"/>
+          </a:xfrm>
+          <a:prstGeom prst="rect">
+            <a:avLst/>
+          </a:prstGeom>
+        </p:spPr>
+      </p:pic>
+      <p:sp>
+        <p:nvSpPr>
+          <p:cNvPr id="12" name="Flèche vers le bas 11"/>
+          <p:cNvSpPr/>
+          <p:nvPr/>
+        </p:nvSpPr>
+        <p:spPr>
+          <a:xfrm>
+            <a:off x="2306972" y="3565321"/>
+            <a:ext cx="570452" cy="637563"/>
+          </a:xfrm>
+          <a:prstGeom prst="downArrow">
+            <a:avLst/>
+          </a:prstGeom>
+        </p:spPr>
+        <p:style>
+          <a:lnRef idx="2">
+            <a:schemeClr val="accent1">
+              <a:shade val="50000"/>
+            </a:schemeClr>
+          </a:lnRef>
+          <a:fillRef idx="1">
+            <a:schemeClr val="accent1"/>
+          </a:fillRef>
+          <a:effectRef idx="0">
+            <a:schemeClr val="accent1"/>
+          </a:effectRef>
+          <a:fontRef idx="minor">
+            <a:schemeClr val="lt1"/>
+          </a:fontRef>
+        </p:style>
+        <p:txBody>
+          <a:bodyPr rtlCol="0" anchor="ctr"/>
+          <a:lstStyle/>
+          <a:p>
+            <a:pPr algn="ctr"/>
+            <a:endParaRPr lang="fr-FR"/>
+          </a:p>
+        </p:txBody>
+      </p:sp>
+      <p:sp>
+        <p:nvSpPr>
+          <p:cNvPr id="14" name="Flèche vers le bas 13"/>
+          <p:cNvSpPr/>
+          <p:nvPr/>
+        </p:nvSpPr>
+        <p:spPr>
+          <a:xfrm>
+            <a:off x="8119761" y="3515073"/>
+            <a:ext cx="570452" cy="637563"/>
+          </a:xfrm>
+          <a:prstGeom prst="downArrow">
+            <a:avLst/>
+          </a:prstGeom>
+        </p:spPr>
+        <p:style>
+          <a:lnRef idx="2">
+            <a:schemeClr val="accent1">
+              <a:shade val="50000"/>
+            </a:schemeClr>
+          </a:lnRef>
+          <a:fillRef idx="1">
+            <a:schemeClr val="accent1"/>
+          </a:fillRef>
+          <a:effectRef idx="0">
+            <a:schemeClr val="accent1"/>
+          </a:effectRef>
+          <a:fontRef idx="minor">
+            <a:schemeClr val="lt1"/>
+          </a:fontRef>
+        </p:style>
+        <p:txBody>
+          <a:bodyPr rtlCol="0" anchor="ctr"/>
+          <a:lstStyle/>
+          <a:p>
+            <a:pPr algn="ctr"/>
+            <a:endParaRPr lang="fr-FR"/>
           </a:p>
         </p:txBody>
       </p:sp>
@@ -6282,27 +6456,8 @@
           <a:p>
             <a:r>
               <a:rPr lang="fr-FR" dirty="0"/>
-              <a:t>React</a:t>
-            </a:r>
-          </a:p>
-        </p:txBody>
-      </p:sp>
-      <p:sp>
-        <p:nvSpPr>
-          <p:cNvPr id="3" name="Espace réservé du contenu 2"/>
-          <p:cNvSpPr>
-            <a:spLocks noGrp="1"/>
-          </p:cNvSpPr>
-          <p:nvPr>
-            <p:ph idx="1"/>
-          </p:nvPr>
-        </p:nvSpPr>
-        <p:spPr/>
-        <p:txBody>
-          <a:bodyPr/>
-          <a:lstStyle/>
-          <a:p>
-            <a:endParaRPr lang="fr-FR"/>
+              <a:t>Tutoriels avec React-Joyride</a:t>
+            </a:r>
           </a:p>
         </p:txBody>
       </p:sp>
@@ -6330,6 +6485,79 @@
           </a:p>
         </p:txBody>
       </p:sp>
+      <p:sp>
+        <p:nvSpPr>
+          <p:cNvPr id="7" name="Espace réservé du contenu 6"/>
+          <p:cNvSpPr>
+            <a:spLocks noGrp="1"/>
+          </p:cNvSpPr>
+          <p:nvPr>
+            <p:ph idx="1"/>
+          </p:nvPr>
+        </p:nvSpPr>
+        <p:spPr>
+          <a:xfrm>
+            <a:off x="264944" y="2406845"/>
+            <a:ext cx="3644326" cy="3999642"/>
+          </a:xfrm>
+        </p:spPr>
+        <p:txBody>
+          <a:bodyPr/>
+          <a:lstStyle/>
+          <a:p>
+            <a:r>
+              <a:rPr lang="fr-FR" sz="2400" dirty="0"/>
+              <a:t>Composant dédié</a:t>
+            </a:r>
+          </a:p>
+          <a:p>
+            <a:r>
+              <a:rPr lang="fr-FR" sz="2400" dirty="0"/>
+              <a:t>Données persistantes</a:t>
+            </a:r>
+          </a:p>
+          <a:p>
+            <a:r>
+              <a:rPr lang="fr-FR" sz="2400" dirty="0"/>
+              <a:t>Tests fonctionnels</a:t>
+            </a:r>
+          </a:p>
+          <a:p>
+            <a:endParaRPr lang="fr-FR" dirty="0"/>
+          </a:p>
+        </p:txBody>
+      </p:sp>
+      <p:pic>
+        <p:nvPicPr>
+          <p:cNvPr id="8" name="Espace réservé du contenu 4"/>
+          <p:cNvPicPr>
+            <a:picLocks noChangeAspect="1"/>
+          </p:cNvPicPr>
+          <p:nvPr/>
+        </p:nvPicPr>
+        <p:blipFill>
+          <a:blip r:embed="rId2"/>
+          <a:stretch>
+            <a:fillRect/>
+          </a:stretch>
+        </p:blipFill>
+        <p:spPr>
+          <a:xfrm>
+            <a:off x="4555771" y="2650921"/>
+            <a:ext cx="6662150" cy="3755566"/>
+          </a:xfrm>
+          <a:prstGeom prst="rect">
+            <a:avLst/>
+          </a:prstGeom>
+          <a:effectLst>
+            <a:outerShdw blurRad="50800" dir="14400000">
+              <a:srgbClr val="000000">
+                <a:alpha val="40000"/>
+              </a:srgbClr>
+            </a:outerShdw>
+          </a:effectLst>
+        </p:spPr>
+      </p:pic>
     </p:spTree>
     <p:extLst>
       <p:ext uri="{BB962C8B-B14F-4D97-AF65-F5344CB8AC3E}">
@@ -6384,25 +6612,6 @@
       </p:sp>
       <p:sp>
         <p:nvSpPr>
-          <p:cNvPr id="3" name="Espace réservé du contenu 2"/>
-          <p:cNvSpPr>
-            <a:spLocks noGrp="1"/>
-          </p:cNvSpPr>
-          <p:nvPr>
-            <p:ph idx="1"/>
-          </p:nvPr>
-        </p:nvSpPr>
-        <p:spPr/>
-        <p:txBody>
-          <a:bodyPr/>
-          <a:lstStyle/>
-          <a:p>
-            <a:endParaRPr lang="fr-FR"/>
-          </a:p>
-        </p:txBody>
-      </p:sp>
-      <p:sp>
-        <p:nvSpPr>
           <p:cNvPr id="4" name="Espace réservé du numéro de diapositive 3"/>
           <p:cNvSpPr>
             <a:spLocks noGrp="1"/>
@@ -6425,6 +6634,75 @@
           </a:p>
         </p:txBody>
       </p:sp>
+      <p:sp>
+        <p:nvSpPr>
+          <p:cNvPr id="6" name="Espace réservé du contenu 5"/>
+          <p:cNvSpPr>
+            <a:spLocks noGrp="1"/>
+          </p:cNvSpPr>
+          <p:nvPr>
+            <p:ph idx="1"/>
+          </p:nvPr>
+        </p:nvSpPr>
+        <p:spPr>
+          <a:xfrm>
+            <a:off x="265039" y="2432011"/>
+            <a:ext cx="5892481" cy="3636511"/>
+          </a:xfrm>
+        </p:spPr>
+        <p:txBody>
+          <a:bodyPr/>
+          <a:lstStyle/>
+          <a:p>
+            <a:r>
+              <a:rPr lang="fr-FR" dirty="0"/>
+              <a:t>Optimisation du </a:t>
+            </a:r>
+            <a:r>
+              <a:rPr lang="fr-FR" dirty="0" err="1"/>
+              <a:t>drag’n’drop</a:t>
+            </a:r>
+            <a:endParaRPr lang="fr-FR" dirty="0"/>
+          </a:p>
+          <a:p>
+            <a:endParaRPr lang="fr-FR" dirty="0"/>
+          </a:p>
+          <a:p>
+            <a:endParaRPr lang="fr-FR" dirty="0"/>
+          </a:p>
+        </p:txBody>
+      </p:sp>
+      <p:pic>
+        <p:nvPicPr>
+          <p:cNvPr id="7" name="Espace réservé du contenu 4"/>
+          <p:cNvPicPr>
+            <a:picLocks noChangeAspect="1"/>
+          </p:cNvPicPr>
+          <p:nvPr/>
+        </p:nvPicPr>
+        <p:blipFill>
+          <a:blip r:embed="rId2"/>
+          <a:stretch>
+            <a:fillRect/>
+          </a:stretch>
+        </p:blipFill>
+        <p:spPr>
+          <a:xfrm>
+            <a:off x="6310903" y="2432011"/>
+            <a:ext cx="5071095" cy="1825594"/>
+          </a:xfrm>
+          <a:prstGeom prst="rect">
+            <a:avLst/>
+          </a:prstGeom>
+          <a:effectLst>
+            <a:outerShdw blurRad="50800" dir="14400000">
+              <a:srgbClr val="000000">
+                <a:alpha val="40000"/>
+              </a:srgbClr>
+            </a:outerShdw>
+          </a:effectLst>
+        </p:spPr>
+      </p:pic>
     </p:spTree>
     <p:extLst>
       <p:ext uri="{BB962C8B-B14F-4D97-AF65-F5344CB8AC3E}">

--- a/Stage/Soutenance/presentation_soutenance.pptx
+++ b/Stage/Soutenance/presentation_soutenance.pptx
@@ -15,7 +15,7 @@
     <p:sldId id="260" r:id="rId6"/>
     <p:sldId id="261" r:id="rId7"/>
     <p:sldId id="262" r:id="rId8"/>
-    <p:sldId id="263" r:id="rId9"/>
+    <p:sldId id="266" r:id="rId9"/>
     <p:sldId id="264" r:id="rId10"/>
     <p:sldId id="265" r:id="rId11"/>
   </p:sldIdLst>
@@ -568,7 +568,7 @@
           <a:effectLst/>
           <a:extLst>
             <a:ext uri="{91240B29-F687-4f45-9708-019B960494DF}">
-              <a14:hiddenLine xmlns:a14="http://schemas.microsoft.com/office/drawing/2010/main" xmlns="" w="9525">
+              <a14:hiddenLine xmlns="" xmlns:a14="http://schemas.microsoft.com/office/drawing/2010/main" w="9525">
                 <a:solidFill>
                   <a:srgbClr val="000000"/>
                 </a:solidFill>
@@ -2074,7 +2074,7 @@
           <a:ln/>
           <a:extLst>
             <a:ext uri="{91240B29-F687-4f45-9708-019B960494DF}">
-              <a14:hiddenLine xmlns:a14="http://schemas.microsoft.com/office/drawing/2010/main" xmlns="" w="9525">
+              <a14:hiddenLine xmlns="" xmlns:a14="http://schemas.microsoft.com/office/drawing/2010/main" w="9525">
                 <a:solidFill>
                   <a:srgbClr val="000000"/>
                 </a:solidFill>
@@ -2345,7 +2345,7 @@
           <a:ln/>
           <a:extLst>
             <a:ext uri="{91240B29-F687-4f45-9708-019B960494DF}">
-              <a14:hiddenLine xmlns:a14="http://schemas.microsoft.com/office/drawing/2010/main" xmlns="" w="9525">
+              <a14:hiddenLine xmlns="" xmlns:a14="http://schemas.microsoft.com/office/drawing/2010/main" w="9525">
                 <a:solidFill>
                   <a:srgbClr val="000000"/>
                 </a:solidFill>
@@ -2624,7 +2624,7 @@
           <a:ln/>
           <a:extLst>
             <a:ext uri="{91240B29-F687-4f45-9708-019B960494DF}">
-              <a14:hiddenLine xmlns:a14="http://schemas.microsoft.com/office/drawing/2010/main" xmlns="" w="9525">
+              <a14:hiddenLine xmlns="" xmlns:a14="http://schemas.microsoft.com/office/drawing/2010/main" w="9525">
                 <a:solidFill>
                   <a:srgbClr val="000000"/>
                 </a:solidFill>
@@ -3242,7 +3242,7 @@
           <a:ln/>
           <a:extLst>
             <a:ext uri="{91240B29-F687-4f45-9708-019B960494DF}">
-              <a14:hiddenLine xmlns:a14="http://schemas.microsoft.com/office/drawing/2010/main" xmlns="" w="9525">
+              <a14:hiddenLine xmlns="" xmlns:a14="http://schemas.microsoft.com/office/drawing/2010/main" w="9525">
                 <a:solidFill>
                   <a:srgbClr val="000000"/>
                 </a:solidFill>
@@ -3577,7 +3577,7 @@
           <a:ln/>
           <a:extLst>
             <a:ext uri="{91240B29-F687-4f45-9708-019B960494DF}">
-              <a14:hiddenLine xmlns:a14="http://schemas.microsoft.com/office/drawing/2010/main" xmlns="" w="9525">
+              <a14:hiddenLine xmlns="" xmlns:a14="http://schemas.microsoft.com/office/drawing/2010/main" w="9525">
                 <a:solidFill>
                   <a:srgbClr val="000000"/>
                 </a:solidFill>
@@ -4050,7 +4050,7 @@
           <a:ln/>
           <a:extLst>
             <a:ext uri="{91240B29-F687-4f45-9708-019B960494DF}">
-              <a14:hiddenLine xmlns:a14="http://schemas.microsoft.com/office/drawing/2010/main" xmlns="" w="9525">
+              <a14:hiddenLine xmlns="" xmlns:a14="http://schemas.microsoft.com/office/drawing/2010/main" w="9525">
                 <a:solidFill>
                   <a:srgbClr val="000000"/>
                 </a:solidFill>
@@ -4471,7 +4471,7 @@
           <a:ln/>
           <a:extLst>
             <a:ext uri="{91240B29-F687-4f45-9708-019B960494DF}">
-              <a14:hiddenLine xmlns:a14="http://schemas.microsoft.com/office/drawing/2010/main" xmlns="" w="9525">
+              <a14:hiddenLine xmlns="" xmlns:a14="http://schemas.microsoft.com/office/drawing/2010/main" w="9525">
                 <a:solidFill>
                   <a:srgbClr val="000000"/>
                 </a:solidFill>
@@ -5953,6 +5953,9 @@
           <a:lstStyle/>
           <a:p>
             <a:pPr>
+              <a:spcAft>
+                <a:spcPts val="2400"/>
+              </a:spcAft>
               <a:buFont typeface="+mj-lt"/>
               <a:buAutoNum type="arabicPeriod"/>
             </a:pPr>
@@ -5963,6 +5966,9 @@
           </a:p>
           <a:p>
             <a:pPr>
+              <a:spcAft>
+                <a:spcPts val="2400"/>
+              </a:spcAft>
               <a:buFont typeface="+mj-lt"/>
               <a:buAutoNum type="arabicPeriod"/>
             </a:pPr>
@@ -5973,6 +5979,9 @@
           </a:p>
           <a:p>
             <a:pPr>
+              <a:spcAft>
+                <a:spcPts val="2400"/>
+              </a:spcAft>
               <a:buFont typeface="+mj-lt"/>
               <a:buAutoNum type="arabicPeriod"/>
             </a:pPr>
@@ -5983,6 +5992,9 @@
           </a:p>
           <a:p>
             <a:pPr>
+              <a:spcAft>
+                <a:spcPts val="2400"/>
+              </a:spcAft>
               <a:buFont typeface="+mj-lt"/>
               <a:buAutoNum type="arabicPeriod"/>
             </a:pPr>
@@ -6081,28 +6093,43 @@
         </p:nvSpPr>
         <p:spPr>
           <a:xfrm>
-            <a:off x="818712" y="2222287"/>
-            <a:ext cx="5724701" cy="3636511"/>
+            <a:off x="818713" y="2222287"/>
+            <a:ext cx="5246528" cy="3636511"/>
           </a:xfrm>
         </p:spPr>
         <p:txBody>
-          <a:bodyPr>
+          <a:bodyPr anchor="t">
             <a:normAutofit/>
           </a:bodyPr>
           <a:lstStyle/>
           <a:p>
+            <a:pPr>
+              <a:spcAft>
+                <a:spcPts val="2400"/>
+              </a:spcAft>
+            </a:pPr>
             <a:r>
               <a:rPr lang="fr-FR" sz="3200" dirty="0"/>
               <a:t> 34 000 £ sur Kickstarter</a:t>
             </a:r>
           </a:p>
           <a:p>
+            <a:pPr>
+              <a:spcAft>
+                <a:spcPts val="2400"/>
+              </a:spcAft>
+            </a:pPr>
             <a:r>
               <a:rPr lang="fr-FR" sz="3200" dirty="0"/>
               <a:t> 4 employés</a:t>
             </a:r>
           </a:p>
           <a:p>
+            <a:pPr>
+              <a:spcAft>
+                <a:spcPts val="2400"/>
+              </a:spcAft>
+            </a:pPr>
             <a:r>
               <a:rPr lang="fr-FR" sz="3200" dirty="0"/>
               <a:t> JavaScript et React</a:t>
@@ -6321,7 +6348,7 @@
         </p:blipFill>
         <p:spPr>
           <a:xfrm>
-            <a:off x="5819311" y="4014496"/>
+            <a:off x="5827346" y="4008510"/>
             <a:ext cx="4881393" cy="2391991"/>
           </a:xfrm>
           <a:prstGeom prst="rect">
@@ -6377,7 +6404,7 @@
         </p:nvSpPr>
         <p:spPr>
           <a:xfrm>
-            <a:off x="8119761" y="3515073"/>
+            <a:off x="7982816" y="3547873"/>
             <a:ext cx="570452" cy="637563"/>
           </a:xfrm>
           <a:prstGeom prst="downArrow">
@@ -6502,21 +6529,36 @@
           </a:xfrm>
         </p:spPr>
         <p:txBody>
-          <a:bodyPr/>
-          <a:lstStyle/>
-          <a:p>
+          <a:bodyPr anchor="t"/>
+          <a:lstStyle/>
+          <a:p>
+            <a:pPr>
+              <a:spcAft>
+                <a:spcPts val="2400"/>
+              </a:spcAft>
+            </a:pPr>
             <a:r>
               <a:rPr lang="fr-FR" sz="2400" dirty="0"/>
               <a:t>Composant dédié</a:t>
             </a:r>
           </a:p>
           <a:p>
+            <a:pPr>
+              <a:spcAft>
+                <a:spcPts val="2400"/>
+              </a:spcAft>
+            </a:pPr>
             <a:r>
               <a:rPr lang="fr-FR" sz="2400" dirty="0"/>
               <a:t>Données persistantes</a:t>
             </a:r>
           </a:p>
           <a:p>
+            <a:pPr>
+              <a:spcAft>
+                <a:spcPts val="2400"/>
+              </a:spcAft>
+            </a:pPr>
             <a:r>
               <a:rPr lang="fr-FR" sz="2400" dirty="0"/>
               <a:t>Tests fonctionnels</a:t>
@@ -6543,7 +6585,7 @@
         </p:blipFill>
         <p:spPr>
           <a:xfrm>
-            <a:off x="4555771" y="2650921"/>
+            <a:off x="4547258" y="2406845"/>
             <a:ext cx="6662150" cy="3755566"/>
           </a:xfrm>
           <a:prstGeom prst="rect">
@@ -6605,7 +6647,7 @@
           <a:p>
             <a:r>
               <a:rPr lang="fr-FR" dirty="0"/>
-              <a:t>React</a:t>
+              <a:t>Espacement manuel des caractères</a:t>
             </a:r>
           </a:p>
         </p:txBody>
@@ -6651,21 +6693,45 @@
           </a:xfrm>
         </p:spPr>
         <p:txBody>
-          <a:bodyPr/>
-          <a:lstStyle/>
-          <a:p>
-            <a:r>
-              <a:rPr lang="fr-FR" dirty="0"/>
-              <a:t>Optimisation du </a:t>
-            </a:r>
-            <a:r>
-              <a:rPr lang="fr-FR" dirty="0" err="1"/>
-              <a:t>drag’n’drop</a:t>
-            </a:r>
-            <a:endParaRPr lang="fr-FR" dirty="0"/>
-          </a:p>
-          <a:p>
-            <a:endParaRPr lang="fr-FR" dirty="0"/>
+          <a:bodyPr anchor="t"/>
+          <a:lstStyle/>
+          <a:p>
+            <a:pPr>
+              <a:spcAft>
+                <a:spcPts val="2400"/>
+              </a:spcAft>
+            </a:pPr>
+            <a:r>
+              <a:rPr lang="fr-FR" sz="2400" dirty="0"/>
+              <a:t>Optimisation du « drag and drop »</a:t>
+            </a:r>
+          </a:p>
+          <a:p>
+            <a:pPr>
+              <a:spcAft>
+                <a:spcPts val="2400"/>
+              </a:spcAft>
+            </a:pPr>
+            <a:r>
+              <a:rPr lang="fr-FR" sz="2400" dirty="0"/>
+              <a:t>Interaction avec un </a:t>
+            </a:r>
+            <a:r>
+              <a:rPr lang="fr-FR" sz="2400" dirty="0" err="1"/>
+              <a:t>WebWorker</a:t>
+            </a:r>
+            <a:endParaRPr lang="fr-FR" sz="2400" dirty="0"/>
+          </a:p>
+          <a:p>
+            <a:pPr>
+              <a:spcAft>
+                <a:spcPts val="2400"/>
+              </a:spcAft>
+            </a:pPr>
+            <a:r>
+              <a:rPr lang="fr-FR" sz="2400" dirty="0"/>
+              <a:t>Gestion des unités typographiques</a:t>
+            </a:r>
           </a:p>
           <a:p>
             <a:endParaRPr lang="fr-FR" dirty="0"/>
@@ -6750,7 +6816,7 @@
           <a:p>
             <a:r>
               <a:rPr lang="fr-FR" dirty="0"/>
-              <a:t>Merge</a:t>
+              <a:t>PaperJS</a:t>
             </a:r>
           </a:p>
         </p:txBody>
@@ -6765,12 +6831,49 @@
             <p:ph idx="1"/>
           </p:nvPr>
         </p:nvSpPr>
-        <p:spPr/>
-        <p:txBody>
-          <a:bodyPr/>
-          <a:lstStyle/>
-          <a:p>
-            <a:endParaRPr lang="fr-FR" dirty="0"/>
+        <p:spPr>
+          <a:xfrm>
+            <a:off x="818712" y="2222287"/>
+            <a:ext cx="5154249" cy="3636511"/>
+          </a:xfrm>
+        </p:spPr>
+        <p:txBody>
+          <a:bodyPr>
+            <a:normAutofit/>
+          </a:bodyPr>
+          <a:lstStyle/>
+          <a:p>
+            <a:pPr>
+              <a:spcAft>
+                <a:spcPts val="2400"/>
+              </a:spcAft>
+            </a:pPr>
+            <a:r>
+              <a:rPr lang="fr-FR" sz="2800" dirty="0"/>
+              <a:t>Points, Segments et formes</a:t>
+            </a:r>
+          </a:p>
+          <a:p>
+            <a:pPr>
+              <a:spcAft>
+                <a:spcPts val="2400"/>
+              </a:spcAft>
+            </a:pPr>
+            <a:r>
+              <a:rPr lang="fr-FR" sz="2800" dirty="0"/>
+              <a:t>Dessin sur un plan 2D</a:t>
+            </a:r>
+          </a:p>
+          <a:p>
+            <a:pPr>
+              <a:spcAft>
+                <a:spcPts val="2400"/>
+              </a:spcAft>
+            </a:pPr>
+            <a:r>
+              <a:rPr lang="fr-FR" sz="2800" dirty="0"/>
+              <a:t>Opération booléennes</a:t>
+            </a:r>
           </a:p>
         </p:txBody>
       </p:sp>
@@ -6798,6 +6901,30 @@
           </a:p>
         </p:txBody>
       </p:sp>
+      <p:pic>
+        <p:nvPicPr>
+          <p:cNvPr id="5" name="Image 4"/>
+          <p:cNvPicPr>
+            <a:picLocks noChangeAspect="1"/>
+          </p:cNvPicPr>
+          <p:nvPr/>
+        </p:nvPicPr>
+        <p:blipFill>
+          <a:blip r:embed="rId2"/>
+          <a:stretch>
+            <a:fillRect/>
+          </a:stretch>
+        </p:blipFill>
+        <p:spPr>
+          <a:xfrm>
+            <a:off x="6422739" y="2222287"/>
+            <a:ext cx="3702773" cy="4180369"/>
+          </a:xfrm>
+          <a:prstGeom prst="rect">
+            <a:avLst/>
+          </a:prstGeom>
+        </p:spPr>
+      </p:pic>
     </p:spTree>
     <p:extLst>
       <p:ext uri="{BB962C8B-B14F-4D97-AF65-F5344CB8AC3E}">
@@ -6845,27 +6972,8 @@
           <a:p>
             <a:r>
               <a:rPr lang="fr-FR" dirty="0"/>
-              <a:t>Merge</a:t>
-            </a:r>
-          </a:p>
-        </p:txBody>
-      </p:sp>
-      <p:sp>
-        <p:nvSpPr>
-          <p:cNvPr id="3" name="Espace réservé du contenu 2"/>
-          <p:cNvSpPr>
-            <a:spLocks noGrp="1"/>
-          </p:cNvSpPr>
-          <p:nvPr>
-            <p:ph idx="1"/>
-          </p:nvPr>
-        </p:nvSpPr>
-        <p:spPr/>
-        <p:txBody>
-          <a:bodyPr/>
-          <a:lstStyle/>
-          <a:p>
-            <a:endParaRPr lang="fr-FR"/>
+              <a:t>Cas de test réduit</a:t>
+            </a:r>
           </a:p>
         </p:txBody>
       </p:sp>
@@ -6893,10 +7001,98 @@
           </a:p>
         </p:txBody>
       </p:sp>
+      <p:sp>
+        <p:nvSpPr>
+          <p:cNvPr id="7" name="Flèche droite 6"/>
+          <p:cNvSpPr/>
+          <p:nvPr/>
+        </p:nvSpPr>
+        <p:spPr>
+          <a:xfrm>
+            <a:off x="5419288" y="4110606"/>
+            <a:ext cx="989901" cy="511728"/>
+          </a:xfrm>
+          <a:prstGeom prst="rightArrow">
+            <a:avLst/>
+          </a:prstGeom>
+        </p:spPr>
+        <p:style>
+          <a:lnRef idx="2">
+            <a:schemeClr val="accent1">
+              <a:shade val="50000"/>
+            </a:schemeClr>
+          </a:lnRef>
+          <a:fillRef idx="1">
+            <a:schemeClr val="accent1"/>
+          </a:fillRef>
+          <a:effectRef idx="0">
+            <a:schemeClr val="accent1"/>
+          </a:effectRef>
+          <a:fontRef idx="minor">
+            <a:schemeClr val="lt1"/>
+          </a:fontRef>
+        </p:style>
+        <p:txBody>
+          <a:bodyPr rtlCol="0" anchor="ctr"/>
+          <a:lstStyle/>
+          <a:p>
+            <a:pPr algn="ctr"/>
+            <a:endParaRPr lang="fr-FR"/>
+          </a:p>
+        </p:txBody>
+      </p:sp>
+      <p:pic>
+        <p:nvPicPr>
+          <p:cNvPr id="3" name="Image 2"/>
+          <p:cNvPicPr>
+            <a:picLocks noChangeAspect="1"/>
+          </p:cNvPicPr>
+          <p:nvPr/>
+        </p:nvPicPr>
+        <p:blipFill>
+          <a:blip r:embed="rId2"/>
+          <a:stretch>
+            <a:fillRect/>
+          </a:stretch>
+        </p:blipFill>
+        <p:spPr>
+          <a:xfrm>
+            <a:off x="6760449" y="2470754"/>
+            <a:ext cx="3507676" cy="3931931"/>
+          </a:xfrm>
+          <a:prstGeom prst="rect">
+            <a:avLst/>
+          </a:prstGeom>
+        </p:spPr>
+      </p:pic>
+      <p:pic>
+        <p:nvPicPr>
+          <p:cNvPr id="8" name="Image 7"/>
+          <p:cNvPicPr>
+            <a:picLocks noChangeAspect="1"/>
+          </p:cNvPicPr>
+          <p:nvPr/>
+        </p:nvPicPr>
+        <p:blipFill>
+          <a:blip r:embed="rId3"/>
+          <a:stretch>
+            <a:fillRect/>
+          </a:stretch>
+        </p:blipFill>
+        <p:spPr>
+          <a:xfrm>
+            <a:off x="1107166" y="2470753"/>
+            <a:ext cx="3901916" cy="3931931"/>
+          </a:xfrm>
+          <a:prstGeom prst="rect">
+            <a:avLst/>
+          </a:prstGeom>
+        </p:spPr>
+      </p:pic>
     </p:spTree>
     <p:extLst>
       <p:ext uri="{BB962C8B-B14F-4D97-AF65-F5344CB8AC3E}">
-        <p14:creationId xmlns:p14="http://schemas.microsoft.com/office/powerpoint/2010/main" val="1989936160"/>
+        <p14:creationId xmlns:p14="http://schemas.microsoft.com/office/powerpoint/2010/main" val="2643973181"/>
       </p:ext>
     </p:extLst>
   </p:cSld>
@@ -6938,10 +7134,7 @@
           <a:bodyPr/>
           <a:lstStyle/>
           <a:p>
-            <a:r>
-              <a:rPr lang="fr-FR" dirty="0"/>
-              <a:t>Merge</a:t>
-            </a:r>
+            <a:endParaRPr lang="fr-FR" dirty="0"/>
           </a:p>
         </p:txBody>
       </p:sp>

--- a/Stage/Soutenance/presentation_soutenance.pptx
+++ b/Stage/Soutenance/presentation_soutenance.pptx
@@ -5,7 +5,7 @@
     <p:sldMasterId id="2147483648" r:id="rId1"/>
   </p:sldMasterIdLst>
   <p:notesMasterIdLst>
-    <p:notesMasterId r:id="rId12"/>
+    <p:notesMasterId r:id="rId13"/>
   </p:notesMasterIdLst>
   <p:sldIdLst>
     <p:sldId id="256" r:id="rId2"/>
@@ -14,10 +14,11 @@
     <p:sldId id="259" r:id="rId5"/>
     <p:sldId id="260" r:id="rId6"/>
     <p:sldId id="261" r:id="rId7"/>
-    <p:sldId id="262" r:id="rId8"/>
-    <p:sldId id="266" r:id="rId9"/>
-    <p:sldId id="264" r:id="rId10"/>
+    <p:sldId id="267" r:id="rId8"/>
+    <p:sldId id="262" r:id="rId9"/>
+    <p:sldId id="266" r:id="rId10"/>
     <p:sldId id="265" r:id="rId11"/>
+    <p:sldId id="268" r:id="rId12"/>
   </p:sldIdLst>
   <p:sldSz cx="12192000" cy="6858000"/>
   <p:notesSz cx="6858000" cy="9144000"/>
@@ -5724,7 +5725,7 @@
             </a:br>
             <a:r>
               <a:rPr lang="fr-FR" sz="4000" dirty="0"/>
-              <a:t>Application d’édition de typographie</a:t>
+              <a:t>Application d’édition typographique</a:t>
             </a:r>
           </a:p>
         </p:txBody>
@@ -5747,7 +5748,7 @@
         </p:spPr>
         <p:txBody>
           <a:bodyPr>
-            <a:normAutofit/>
+            <a:normAutofit lnSpcReduction="10000"/>
           </a:bodyPr>
           <a:lstStyle/>
           <a:p>
@@ -5759,7 +5760,13 @@
           <a:p>
             <a:r>
               <a:rPr lang="fr-FR" dirty="0"/>
-              <a:t>Soutenance de stage en entreprise – période du 13 juin au 26 août 2016</a:t>
+              <a:t>Soutenance de stage en entreprise</a:t>
+            </a:r>
+          </a:p>
+          <a:p>
+            <a:r>
+              <a:rPr lang="fr-FR" dirty="0"/>
+              <a:t>Période du 13 juin au 26 août 2016</a:t>
             </a:r>
           </a:p>
         </p:txBody>
@@ -5855,6 +5862,39 @@
           <a:bodyPr/>
           <a:lstStyle/>
           <a:p>
+            <a:pPr lvl="0">
+              <a:spcAft>
+                <a:spcPts val="2400"/>
+              </a:spcAft>
+            </a:pPr>
+            <a:r>
+              <a:rPr lang="fr-FR" sz="3600" dirty="0"/>
+              <a:t> Enrichissement des connaissances</a:t>
+            </a:r>
+          </a:p>
+          <a:p>
+            <a:pPr lvl="0">
+              <a:spcAft>
+                <a:spcPts val="2400"/>
+              </a:spcAft>
+            </a:pPr>
+            <a:r>
+              <a:rPr lang="fr-FR" sz="3600" dirty="0"/>
+              <a:t> Apport d’un réel soutien pour l’équipe</a:t>
+            </a:r>
+          </a:p>
+          <a:p>
+            <a:pPr lvl="0">
+              <a:spcAft>
+                <a:spcPts val="2400"/>
+              </a:spcAft>
+            </a:pPr>
+            <a:r>
+              <a:rPr lang="fr-FR" sz="3600" dirty="0"/>
+              <a:t> Contraintes et libertés d’une startup</a:t>
+            </a:r>
+          </a:p>
+          <a:p>
             <a:endParaRPr lang="fr-FR" dirty="0"/>
           </a:p>
         </p:txBody>
@@ -5887,6 +5927,146 @@
     <p:extLst>
       <p:ext uri="{BB962C8B-B14F-4D97-AF65-F5344CB8AC3E}">
         <p14:creationId xmlns:p14="http://schemas.microsoft.com/office/powerpoint/2010/main" val="2701766594"/>
+      </p:ext>
+    </p:extLst>
+  </p:cSld>
+  <p:clrMapOvr>
+    <a:masterClrMapping/>
+  </p:clrMapOvr>
+</p:sld>
+</file>
+
+<file path=ppt/slides/slide11.xml><?xml version="1.0" encoding="utf-8"?>
+<p:sld xmlns:a="http://schemas.openxmlformats.org/drawingml/2006/main" xmlns:r="http://schemas.openxmlformats.org/officeDocument/2006/relationships" xmlns:p="http://schemas.openxmlformats.org/presentationml/2006/main">
+  <p:cSld>
+    <p:spTree>
+      <p:nvGrpSpPr>
+        <p:cNvPr id="1" name=""/>
+        <p:cNvGrpSpPr/>
+        <p:nvPr/>
+      </p:nvGrpSpPr>
+      <p:grpSpPr>
+        <a:xfrm>
+          <a:off x="0" y="0"/>
+          <a:ext cx="0" cy="0"/>
+          <a:chOff x="0" y="0"/>
+          <a:chExt cx="0" cy="0"/>
+        </a:xfrm>
+      </p:grpSpPr>
+      <p:sp>
+        <p:nvSpPr>
+          <p:cNvPr id="4" name="Espace réservé du numéro de diapositive 3"/>
+          <p:cNvSpPr>
+            <a:spLocks noGrp="1"/>
+          </p:cNvSpPr>
+          <p:nvPr>
+            <p:ph type="sldNum" sz="quarter" idx="12"/>
+          </p:nvPr>
+        </p:nvSpPr>
+        <p:spPr/>
+        <p:txBody>
+          <a:bodyPr/>
+          <a:lstStyle/>
+          <a:p>
+            <a:fld id="{D57F1E4F-1CFF-5643-939E-217C01CDF565}" type="slidenum">
+              <a:rPr lang="en-US" smtClean="0"/>
+              <a:pPr/>
+              <a:t>11</a:t>
+            </a:fld>
+            <a:endParaRPr lang="en-US" dirty="0"/>
+          </a:p>
+        </p:txBody>
+      </p:sp>
+      <p:pic>
+        <p:nvPicPr>
+          <p:cNvPr id="5" name="Image 4"/>
+          <p:cNvPicPr>
+            <a:picLocks noChangeAspect="1"/>
+          </p:cNvPicPr>
+          <p:nvPr/>
+        </p:nvPicPr>
+        <p:blipFill>
+          <a:blip r:embed="rId2"/>
+          <a:stretch>
+            <a:fillRect/>
+          </a:stretch>
+        </p:blipFill>
+        <p:spPr>
+          <a:xfrm>
+            <a:off x="4778229" y="685101"/>
+            <a:ext cx="2427914" cy="2427914"/>
+          </a:xfrm>
+          <a:prstGeom prst="rect">
+            <a:avLst/>
+          </a:prstGeom>
+        </p:spPr>
+      </p:pic>
+      <p:sp>
+        <p:nvSpPr>
+          <p:cNvPr id="6" name="ZoneTexte 5"/>
+          <p:cNvSpPr txBox="1"/>
+          <p:nvPr/>
+        </p:nvSpPr>
+        <p:spPr>
+          <a:xfrm>
+            <a:off x="1344685" y="3758268"/>
+            <a:ext cx="9295002" cy="769441"/>
+          </a:xfrm>
+          <a:prstGeom prst="rect">
+            <a:avLst/>
+          </a:prstGeom>
+          <a:noFill/>
+        </p:spPr>
+        <p:txBody>
+          <a:bodyPr wrap="square" rtlCol="0">
+            <a:spAutoFit/>
+          </a:bodyPr>
+          <a:lstStyle/>
+          <a:p>
+            <a:r>
+              <a:rPr lang="en-US" sz="4400" b="1" dirty="0"/>
+              <a:t>Prototypo</a:t>
+            </a:r>
+            <a:r>
+              <a:rPr lang="en-US" sz="4400" dirty="0"/>
+              <a:t>  </a:t>
+            </a:r>
+            <a:r>
+              <a:rPr lang="en-US" sz="2800" i="1" dirty="0"/>
+              <a:t>Create your own font in a few clicks</a:t>
+            </a:r>
+            <a:endParaRPr lang="fr-FR" sz="2800" i="1" dirty="0"/>
+          </a:p>
+        </p:txBody>
+      </p:sp>
+      <p:pic>
+        <p:nvPicPr>
+          <p:cNvPr id="8" name="Image 7"/>
+          <p:cNvPicPr>
+            <a:picLocks noChangeAspect="1"/>
+          </p:cNvPicPr>
+          <p:nvPr/>
+        </p:nvPicPr>
+        <p:blipFill>
+          <a:blip r:embed="rId3"/>
+          <a:stretch>
+            <a:fillRect/>
+          </a:stretch>
+        </p:blipFill>
+        <p:spPr>
+          <a:xfrm>
+            <a:off x="4669354" y="5406907"/>
+            <a:ext cx="2645664" cy="1017961"/>
+          </a:xfrm>
+          <a:prstGeom prst="rect">
+            <a:avLst/>
+          </a:prstGeom>
+        </p:spPr>
+      </p:pic>
+    </p:spTree>
+    <p:extLst>
+      <p:ext uri="{BB962C8B-B14F-4D97-AF65-F5344CB8AC3E}">
+        <p14:creationId xmlns:p14="http://schemas.microsoft.com/office/powerpoint/2010/main" val="1681357293"/>
       </p:ext>
     </p:extLst>
   </p:cSld>
@@ -6816,6 +6996,162 @@
           <a:p>
             <a:r>
               <a:rPr lang="fr-FR" dirty="0"/>
+              <a:t>Problématique de la fusion des formes</a:t>
+            </a:r>
+          </a:p>
+        </p:txBody>
+      </p:sp>
+      <p:sp>
+        <p:nvSpPr>
+          <p:cNvPr id="3" name="Espace réservé du contenu 2"/>
+          <p:cNvSpPr>
+            <a:spLocks noGrp="1"/>
+          </p:cNvSpPr>
+          <p:nvPr>
+            <p:ph idx="1"/>
+          </p:nvPr>
+        </p:nvSpPr>
+        <p:spPr>
+          <a:xfrm>
+            <a:off x="818712" y="2222287"/>
+            <a:ext cx="5632422" cy="3636511"/>
+          </a:xfrm>
+        </p:spPr>
+        <p:txBody>
+          <a:bodyPr>
+            <a:normAutofit/>
+          </a:bodyPr>
+          <a:lstStyle/>
+          <a:p>
+            <a:pPr>
+              <a:spcAft>
+                <a:spcPts val="2400"/>
+              </a:spcAft>
+            </a:pPr>
+            <a:r>
+              <a:rPr lang="fr-FR" sz="2800" dirty="0"/>
+              <a:t> Appels externes</a:t>
+            </a:r>
+          </a:p>
+          <a:p>
+            <a:pPr>
+              <a:spcAft>
+                <a:spcPts val="2400"/>
+              </a:spcAft>
+            </a:pPr>
+            <a:r>
+              <a:rPr lang="fr-FR" sz="2800" dirty="0"/>
+              <a:t> Indisponible sans connexion</a:t>
+            </a:r>
+          </a:p>
+          <a:p>
+            <a:pPr>
+              <a:spcAft>
+                <a:spcPts val="2400"/>
+              </a:spcAft>
+            </a:pPr>
+            <a:r>
+              <a:rPr lang="fr-FR" sz="2800" dirty="0"/>
+              <a:t> Mais bugs côté client</a:t>
+            </a:r>
+          </a:p>
+        </p:txBody>
+      </p:sp>
+      <p:sp>
+        <p:nvSpPr>
+          <p:cNvPr id="4" name="Espace réservé du numéro de diapositive 3"/>
+          <p:cNvSpPr>
+            <a:spLocks noGrp="1"/>
+          </p:cNvSpPr>
+          <p:nvPr>
+            <p:ph type="sldNum" sz="quarter" idx="12"/>
+          </p:nvPr>
+        </p:nvSpPr>
+        <p:spPr/>
+        <p:txBody>
+          <a:bodyPr/>
+          <a:lstStyle/>
+          <a:p>
+            <a:fld id="{D57F1E4F-1CFF-5643-939E-217C01CDF565}" type="slidenum">
+              <a:rPr lang="en-US" smtClean="0"/>
+              <a:pPr/>
+              <a:t>7</a:t>
+            </a:fld>
+            <a:endParaRPr lang="en-US" dirty="0"/>
+          </a:p>
+        </p:txBody>
+      </p:sp>
+      <p:pic>
+        <p:nvPicPr>
+          <p:cNvPr id="5" name="Image 4"/>
+          <p:cNvPicPr>
+            <a:picLocks noChangeAspect="1"/>
+          </p:cNvPicPr>
+          <p:nvPr/>
+        </p:nvPicPr>
+        <p:blipFill>
+          <a:blip r:embed="rId2"/>
+          <a:stretch>
+            <a:fillRect/>
+          </a:stretch>
+        </p:blipFill>
+        <p:spPr>
+          <a:xfrm>
+            <a:off x="6657795" y="2153761"/>
+            <a:ext cx="4348562" cy="4252726"/>
+          </a:xfrm>
+          <a:prstGeom prst="rect">
+            <a:avLst/>
+          </a:prstGeom>
+        </p:spPr>
+      </p:pic>
+    </p:spTree>
+    <p:extLst>
+      <p:ext uri="{BB962C8B-B14F-4D97-AF65-F5344CB8AC3E}">
+        <p14:creationId xmlns:p14="http://schemas.microsoft.com/office/powerpoint/2010/main" val="237855767"/>
+      </p:ext>
+    </p:extLst>
+  </p:cSld>
+  <p:clrMapOvr>
+    <a:masterClrMapping/>
+  </p:clrMapOvr>
+</p:sld>
+</file>
+
+<file path=ppt/slides/slide8.xml><?xml version="1.0" encoding="utf-8"?>
+<p:sld xmlns:a="http://schemas.openxmlformats.org/drawingml/2006/main" xmlns:r="http://schemas.openxmlformats.org/officeDocument/2006/relationships" xmlns:p="http://schemas.openxmlformats.org/presentationml/2006/main">
+  <p:cSld>
+    <p:spTree>
+      <p:nvGrpSpPr>
+        <p:cNvPr id="1" name=""/>
+        <p:cNvGrpSpPr/>
+        <p:nvPr/>
+      </p:nvGrpSpPr>
+      <p:grpSpPr>
+        <a:xfrm>
+          <a:off x="0" y="0"/>
+          <a:ext cx="0" cy="0"/>
+          <a:chOff x="0" y="0"/>
+          <a:chExt cx="0" cy="0"/>
+        </a:xfrm>
+      </p:grpSpPr>
+      <p:sp>
+        <p:nvSpPr>
+          <p:cNvPr id="2" name="Titre 1"/>
+          <p:cNvSpPr>
+            <a:spLocks noGrp="1"/>
+          </p:cNvSpPr>
+          <p:nvPr>
+            <p:ph type="title"/>
+          </p:nvPr>
+        </p:nvSpPr>
+        <p:spPr/>
+        <p:txBody>
+          <a:bodyPr/>
+          <a:lstStyle/>
+          <a:p>
+            <a:r>
+              <a:rPr lang="fr-FR" dirty="0"/>
               <a:t>PaperJS</a:t>
             </a:r>
           </a:p>
@@ -6850,7 +7186,7 @@
             </a:pPr>
             <a:r>
               <a:rPr lang="fr-FR" sz="2800" dirty="0"/>
-              <a:t>Points, Segments et formes</a:t>
+              <a:t> Points et segments</a:t>
             </a:r>
           </a:p>
           <a:p>
@@ -6861,7 +7197,7 @@
             </a:pPr>
             <a:r>
               <a:rPr lang="fr-FR" sz="2800" dirty="0"/>
-              <a:t>Dessin sur un plan 2D</a:t>
+              <a:t> Dessin sur un plan 2D</a:t>
             </a:r>
           </a:p>
           <a:p>
@@ -6872,7 +7208,7 @@
             </a:pPr>
             <a:r>
               <a:rPr lang="fr-FR" sz="2800" dirty="0"/>
-              <a:t>Opération booléennes</a:t>
+              <a:t> Opération booléennes</a:t>
             </a:r>
           </a:p>
         </p:txBody>
@@ -6895,7 +7231,7 @@
             <a:fld id="{D57F1E4F-1CFF-5643-939E-217C01CDF565}" type="slidenum">
               <a:rPr lang="en-US" smtClean="0"/>
               <a:pPr/>
-              <a:t>7</a:t>
+              <a:t>8</a:t>
             </a:fld>
             <a:endParaRPr lang="en-US" dirty="0"/>
           </a:p>
@@ -6938,7 +7274,7 @@
 </p:sld>
 </file>
 
-<file path=ppt/slides/slide8.xml><?xml version="1.0" encoding="utf-8"?>
+<file path=ppt/slides/slide9.xml><?xml version="1.0" encoding="utf-8"?>
 <p:sld xmlns:a="http://schemas.openxmlformats.org/drawingml/2006/main" xmlns:r="http://schemas.openxmlformats.org/officeDocument/2006/relationships" xmlns:p="http://schemas.openxmlformats.org/presentationml/2006/main">
   <p:cSld>
     <p:spTree>
@@ -6995,7 +7331,7 @@
             <a:fld id="{D57F1E4F-1CFF-5643-939E-217C01CDF565}" type="slidenum">
               <a:rPr lang="en-US" smtClean="0"/>
               <a:pPr/>
-              <a:t>8</a:t>
+              <a:t>9</a:t>
             </a:fld>
             <a:endParaRPr lang="en-US" dirty="0"/>
           </a:p>
@@ -7093,98 +7429,6 @@
     <p:extLst>
       <p:ext uri="{BB962C8B-B14F-4D97-AF65-F5344CB8AC3E}">
         <p14:creationId xmlns:p14="http://schemas.microsoft.com/office/powerpoint/2010/main" val="2643973181"/>
-      </p:ext>
-    </p:extLst>
-  </p:cSld>
-  <p:clrMapOvr>
-    <a:masterClrMapping/>
-  </p:clrMapOvr>
-</p:sld>
-</file>
-
-<file path=ppt/slides/slide9.xml><?xml version="1.0" encoding="utf-8"?>
-<p:sld xmlns:a="http://schemas.openxmlformats.org/drawingml/2006/main" xmlns:r="http://schemas.openxmlformats.org/officeDocument/2006/relationships" xmlns:p="http://schemas.openxmlformats.org/presentationml/2006/main">
-  <p:cSld>
-    <p:spTree>
-      <p:nvGrpSpPr>
-        <p:cNvPr id="1" name=""/>
-        <p:cNvGrpSpPr/>
-        <p:nvPr/>
-      </p:nvGrpSpPr>
-      <p:grpSpPr>
-        <a:xfrm>
-          <a:off x="0" y="0"/>
-          <a:ext cx="0" cy="0"/>
-          <a:chOff x="0" y="0"/>
-          <a:chExt cx="0" cy="0"/>
-        </a:xfrm>
-      </p:grpSpPr>
-      <p:sp>
-        <p:nvSpPr>
-          <p:cNvPr id="2" name="Titre 1"/>
-          <p:cNvSpPr>
-            <a:spLocks noGrp="1"/>
-          </p:cNvSpPr>
-          <p:nvPr>
-            <p:ph type="title"/>
-          </p:nvPr>
-        </p:nvSpPr>
-        <p:spPr/>
-        <p:txBody>
-          <a:bodyPr/>
-          <a:lstStyle/>
-          <a:p>
-            <a:endParaRPr lang="fr-FR" dirty="0"/>
-          </a:p>
-        </p:txBody>
-      </p:sp>
-      <p:sp>
-        <p:nvSpPr>
-          <p:cNvPr id="3" name="Espace réservé du contenu 2"/>
-          <p:cNvSpPr>
-            <a:spLocks noGrp="1"/>
-          </p:cNvSpPr>
-          <p:nvPr>
-            <p:ph idx="1"/>
-          </p:nvPr>
-        </p:nvSpPr>
-        <p:spPr/>
-        <p:txBody>
-          <a:bodyPr/>
-          <a:lstStyle/>
-          <a:p>
-            <a:endParaRPr lang="fr-FR"/>
-          </a:p>
-        </p:txBody>
-      </p:sp>
-      <p:sp>
-        <p:nvSpPr>
-          <p:cNvPr id="4" name="Espace réservé du numéro de diapositive 3"/>
-          <p:cNvSpPr>
-            <a:spLocks noGrp="1"/>
-          </p:cNvSpPr>
-          <p:nvPr>
-            <p:ph type="sldNum" sz="quarter" idx="12"/>
-          </p:nvPr>
-        </p:nvSpPr>
-        <p:spPr/>
-        <p:txBody>
-          <a:bodyPr/>
-          <a:lstStyle/>
-          <a:p>
-            <a:fld id="{D57F1E4F-1CFF-5643-939E-217C01CDF565}" type="slidenum">
-              <a:rPr lang="en-US" smtClean="0"/>
-              <a:pPr/>
-              <a:t>9</a:t>
-            </a:fld>
-            <a:endParaRPr lang="en-US" dirty="0"/>
-          </a:p>
-        </p:txBody>
-      </p:sp>
-    </p:spTree>
-    <p:extLst>
-      <p:ext uri="{BB962C8B-B14F-4D97-AF65-F5344CB8AC3E}">
-        <p14:creationId xmlns:p14="http://schemas.microsoft.com/office/powerpoint/2010/main" val="354188326"/>
       </p:ext>
     </p:extLst>
   </p:cSld>

--- a/Stage/Soutenance/presentation_soutenance.pptx
+++ b/Stage/Soutenance/presentation_soutenance.pptx
@@ -569,7 +569,7 @@
           <a:effectLst/>
           <a:extLst>
             <a:ext uri="{91240B29-F687-4f45-9708-019B960494DF}">
-              <a14:hiddenLine xmlns="" xmlns:a14="http://schemas.microsoft.com/office/drawing/2010/main" w="9525">
+              <a14:hiddenLine xmlns:a14="http://schemas.microsoft.com/office/drawing/2010/main" xmlns="" w="9525">
                 <a:solidFill>
                   <a:srgbClr val="000000"/>
                 </a:solidFill>
@@ -2075,7 +2075,7 @@
           <a:ln/>
           <a:extLst>
             <a:ext uri="{91240B29-F687-4f45-9708-019B960494DF}">
-              <a14:hiddenLine xmlns="" xmlns:a14="http://schemas.microsoft.com/office/drawing/2010/main" w="9525">
+              <a14:hiddenLine xmlns:a14="http://schemas.microsoft.com/office/drawing/2010/main" xmlns="" w="9525">
                 <a:solidFill>
                   <a:srgbClr val="000000"/>
                 </a:solidFill>
@@ -2346,7 +2346,7 @@
           <a:ln/>
           <a:extLst>
             <a:ext uri="{91240B29-F687-4f45-9708-019B960494DF}">
-              <a14:hiddenLine xmlns="" xmlns:a14="http://schemas.microsoft.com/office/drawing/2010/main" w="9525">
+              <a14:hiddenLine xmlns:a14="http://schemas.microsoft.com/office/drawing/2010/main" xmlns="" w="9525">
                 <a:solidFill>
                   <a:srgbClr val="000000"/>
                 </a:solidFill>
@@ -2625,7 +2625,7 @@
           <a:ln/>
           <a:extLst>
             <a:ext uri="{91240B29-F687-4f45-9708-019B960494DF}">
-              <a14:hiddenLine xmlns="" xmlns:a14="http://schemas.microsoft.com/office/drawing/2010/main" w="9525">
+              <a14:hiddenLine xmlns:a14="http://schemas.microsoft.com/office/drawing/2010/main" xmlns="" w="9525">
                 <a:solidFill>
                   <a:srgbClr val="000000"/>
                 </a:solidFill>
@@ -3243,7 +3243,7 @@
           <a:ln/>
           <a:extLst>
             <a:ext uri="{91240B29-F687-4f45-9708-019B960494DF}">
-              <a14:hiddenLine xmlns="" xmlns:a14="http://schemas.microsoft.com/office/drawing/2010/main" w="9525">
+              <a14:hiddenLine xmlns:a14="http://schemas.microsoft.com/office/drawing/2010/main" xmlns="" w="9525">
                 <a:solidFill>
                   <a:srgbClr val="000000"/>
                 </a:solidFill>
@@ -3578,7 +3578,7 @@
           <a:ln/>
           <a:extLst>
             <a:ext uri="{91240B29-F687-4f45-9708-019B960494DF}">
-              <a14:hiddenLine xmlns="" xmlns:a14="http://schemas.microsoft.com/office/drawing/2010/main" w="9525">
+              <a14:hiddenLine xmlns:a14="http://schemas.microsoft.com/office/drawing/2010/main" xmlns="" w="9525">
                 <a:solidFill>
                   <a:srgbClr val="000000"/>
                 </a:solidFill>
@@ -4051,7 +4051,7 @@
           <a:ln/>
           <a:extLst>
             <a:ext uri="{91240B29-F687-4f45-9708-019B960494DF}">
-              <a14:hiddenLine xmlns="" xmlns:a14="http://schemas.microsoft.com/office/drawing/2010/main" w="9525">
+              <a14:hiddenLine xmlns:a14="http://schemas.microsoft.com/office/drawing/2010/main" xmlns="" w="9525">
                 <a:solidFill>
                   <a:srgbClr val="000000"/>
                 </a:solidFill>
@@ -4472,7 +4472,7 @@
           <a:ln/>
           <a:extLst>
             <a:ext uri="{91240B29-F687-4f45-9708-019B960494DF}">
-              <a14:hiddenLine xmlns="" xmlns:a14="http://schemas.microsoft.com/office/drawing/2010/main" w="9525">
+              <a14:hiddenLine xmlns:a14="http://schemas.microsoft.com/office/drawing/2010/main" xmlns="" w="9525">
                 <a:solidFill>
                   <a:srgbClr val="000000"/>
                 </a:solidFill>
@@ -6343,7 +6343,7 @@
       </p:sp>
       <p:pic>
         <p:nvPicPr>
-          <p:cNvPr id="5" name="Image 4"/>
+          <p:cNvPr id="6" name="Image 5"/>
           <p:cNvPicPr>
             <a:picLocks noChangeAspect="1"/>
           </p:cNvPicPr>
@@ -6357,8 +6357,8 @@
         </p:blipFill>
         <p:spPr>
           <a:xfrm>
-            <a:off x="6174297" y="2300864"/>
-            <a:ext cx="5207701" cy="4105624"/>
+            <a:off x="6347716" y="2300864"/>
+            <a:ext cx="4706245" cy="4105623"/>
           </a:xfrm>
           <a:prstGeom prst="rect">
             <a:avLst/>
@@ -6751,7 +6751,7 @@
       </p:sp>
       <p:pic>
         <p:nvPicPr>
-          <p:cNvPr id="8" name="Espace réservé du contenu 4"/>
+          <p:cNvPr id="3" name="Image 2"/>
           <p:cNvPicPr>
             <a:picLocks noChangeAspect="1"/>
           </p:cNvPicPr>
@@ -6765,19 +6765,12 @@
         </p:blipFill>
         <p:spPr>
           <a:xfrm>
-            <a:off x="4547258" y="2406845"/>
-            <a:ext cx="6662150" cy="3755566"/>
+            <a:off x="4487053" y="2383966"/>
+            <a:ext cx="6640655" cy="4022521"/>
           </a:xfrm>
           <a:prstGeom prst="rect">
             <a:avLst/>
           </a:prstGeom>
-          <a:effectLst>
-            <a:outerShdw blurRad="50800" dir="14400000">
-              <a:srgbClr val="000000">
-                <a:alpha val="40000"/>
-              </a:srgbClr>
-            </a:outerShdw>
-          </a:effectLst>
         </p:spPr>
       </p:pic>
     </p:spTree>
@@ -6920,7 +6913,7 @@
       </p:sp>
       <p:pic>
         <p:nvPicPr>
-          <p:cNvPr id="7" name="Espace réservé du contenu 4"/>
+          <p:cNvPr id="5" name="Image 4"/>
           <p:cNvPicPr>
             <a:picLocks noChangeAspect="1"/>
           </p:cNvPicPr>
@@ -6934,19 +6927,12 @@
         </p:blipFill>
         <p:spPr>
           <a:xfrm>
-            <a:off x="6310903" y="2432011"/>
-            <a:ext cx="5071095" cy="1825594"/>
+            <a:off x="6442746" y="2481581"/>
+            <a:ext cx="5447252" cy="1768685"/>
           </a:xfrm>
           <a:prstGeom prst="rect">
             <a:avLst/>
           </a:prstGeom>
-          <a:effectLst>
-            <a:outerShdw blurRad="50800" dir="14400000">
-              <a:srgbClr val="000000">
-                <a:alpha val="40000"/>
-              </a:srgbClr>
-            </a:outerShdw>
-          </a:effectLst>
         </p:spPr>
       </p:pic>
     </p:spTree>
@@ -7239,7 +7225,7 @@
       </p:sp>
       <p:pic>
         <p:nvPicPr>
-          <p:cNvPr id="5" name="Image 4"/>
+          <p:cNvPr id="6" name="Image 5"/>
           <p:cNvPicPr>
             <a:picLocks noChangeAspect="1"/>
           </p:cNvPicPr>
@@ -7253,8 +7239,8 @@
         </p:blipFill>
         <p:spPr>
           <a:xfrm>
-            <a:off x="6422739" y="2222287"/>
-            <a:ext cx="3702773" cy="4180369"/>
+            <a:off x="6541550" y="2222287"/>
+            <a:ext cx="4211274" cy="4180535"/>
           </a:xfrm>
           <a:prstGeom prst="rect">
             <a:avLst/>

--- a/Stage/Soutenance/presentation_soutenance.pptx
+++ b/Stage/Soutenance/presentation_soutenance.pptx
@@ -207,7 +207,7 @@
           <a:p>
             <a:fld id="{56163B51-D82A-4D29-A210-4A907BE6F4CC}" type="datetimeFigureOut">
               <a:rPr lang="fr-FR" smtClean="0"/>
-              <a:t>29/08/2016</a:t>
+              <a:t>30/08/2016</a:t>
             </a:fld>
             <a:endParaRPr lang="fr-FR"/>
           </a:p>
@@ -569,7 +569,7 @@
           <a:effectLst/>
           <a:extLst>
             <a:ext uri="{91240B29-F687-4f45-9708-019B960494DF}">
-              <a14:hiddenLine xmlns:a14="http://schemas.microsoft.com/office/drawing/2010/main" xmlns="" w="9525">
+              <a14:hiddenLine xmlns="" xmlns:a14="http://schemas.microsoft.com/office/drawing/2010/main" w="9525">
                 <a:solidFill>
                   <a:srgbClr val="000000"/>
                 </a:solidFill>
@@ -759,9 +759,9 @@
           <a:bodyPr/>
           <a:lstStyle/>
           <a:p>
-            <a:fld id="{6225ACAE-4E22-45CC-9988-9F9D18EE1FEC}" type="datetime1">
+            <a:fld id="{5B688AF6-81F1-4553-A72A-A718B36CC83A}" type="datetime1">
               <a:rPr lang="en-US" smtClean="0"/>
-              <a:t>8/29/2016</a:t>
+              <a:t>8/30/2016</a:t>
             </a:fld>
             <a:endParaRPr lang="en-US" dirty="0"/>
           </a:p>
@@ -782,6 +782,10 @@
           <a:bodyPr/>
           <a:lstStyle/>
           <a:p>
+            <a:r>
+              <a:rPr lang="fr-FR"/>
+              <a:t>Soutenance de stage en entreprise - Martin BOLOT</a:t>
+            </a:r>
             <a:endParaRPr lang="en-US" dirty="0"/>
           </a:p>
         </p:txBody>
@@ -1073,9 +1077,9 @@
           <a:bodyPr/>
           <a:lstStyle/>
           <a:p>
-            <a:fld id="{8C063568-E327-47E5-9639-0D742D89E778}" type="datetime1">
+            <a:fld id="{4455CEC3-37C8-4A80-A226-36C2E85FE80E}" type="datetime1">
               <a:rPr lang="en-US" smtClean="0"/>
-              <a:t>8/29/2016</a:t>
+              <a:t>8/30/2016</a:t>
             </a:fld>
             <a:endParaRPr lang="en-US" dirty="0"/>
           </a:p>
@@ -1096,6 +1100,10 @@
           <a:bodyPr/>
           <a:lstStyle/>
           <a:p>
+            <a:r>
+              <a:rPr lang="fr-FR"/>
+              <a:t>Soutenance de stage en entreprise - Martin BOLOT</a:t>
+            </a:r>
             <a:endParaRPr lang="en-US" dirty="0"/>
           </a:p>
         </p:txBody>
@@ -1557,9 +1565,9 @@
           <a:bodyPr/>
           <a:lstStyle/>
           <a:p>
-            <a:fld id="{7B74AD5E-9826-45F7-A00A-4800E29C0A87}" type="datetime1">
+            <a:fld id="{5F671A98-F1FA-4A17-BB22-84D6ED1DBD13}" type="datetime1">
               <a:rPr lang="en-US" smtClean="0"/>
-              <a:t>8/29/2016</a:t>
+              <a:t>8/30/2016</a:t>
             </a:fld>
             <a:endParaRPr lang="en-US" dirty="0"/>
           </a:p>
@@ -1580,6 +1588,10 @@
           <a:bodyPr/>
           <a:lstStyle/>
           <a:p>
+            <a:r>
+              <a:rPr lang="fr-FR"/>
+              <a:t>Soutenance de stage en entreprise - Martin BOLOT</a:t>
+            </a:r>
             <a:endParaRPr lang="en-US" dirty="0"/>
           </a:p>
         </p:txBody>
@@ -1922,9 +1934,9 @@
           <a:bodyPr/>
           <a:lstStyle/>
           <a:p>
-            <a:fld id="{09411DB4-1047-4CC5-A285-991A8F2654F4}" type="datetime1">
+            <a:fld id="{50740FFF-99FF-4AD5-8BDF-1E9715F2D23D}" type="datetime1">
               <a:rPr lang="en-US" smtClean="0"/>
-              <a:t>8/29/2016</a:t>
+              <a:t>8/30/2016</a:t>
             </a:fld>
             <a:endParaRPr lang="en-US" dirty="0"/>
           </a:p>
@@ -1945,6 +1957,10 @@
           <a:bodyPr/>
           <a:lstStyle/>
           <a:p>
+            <a:r>
+              <a:rPr lang="fr-FR"/>
+              <a:t>Soutenance de stage en entreprise - Martin BOLOT</a:t>
+            </a:r>
             <a:endParaRPr lang="en-US" dirty="0"/>
           </a:p>
         </p:txBody>
@@ -2075,7 +2091,7 @@
           <a:ln/>
           <a:extLst>
             <a:ext uri="{91240B29-F687-4f45-9708-019B960494DF}">
-              <a14:hiddenLine xmlns:a14="http://schemas.microsoft.com/office/drawing/2010/main" xmlns="" w="9525">
+              <a14:hiddenLine xmlns="" xmlns:a14="http://schemas.microsoft.com/office/drawing/2010/main" w="9525">
                 <a:solidFill>
                   <a:srgbClr val="000000"/>
                 </a:solidFill>
@@ -2191,9 +2207,9 @@
           <a:bodyPr/>
           <a:lstStyle/>
           <a:p>
-            <a:fld id="{E60448EC-E88D-4690-B5FF-5C1B76450F5E}" type="datetime1">
+            <a:fld id="{EA889C8C-3885-4747-970B-0FC1B125B5EC}" type="datetime1">
               <a:rPr lang="en-US" smtClean="0"/>
-              <a:t>8/29/2016</a:t>
+              <a:t>8/30/2016</a:t>
             </a:fld>
             <a:endParaRPr lang="en-US" dirty="0"/>
           </a:p>
@@ -2214,6 +2230,10 @@
           <a:bodyPr/>
           <a:lstStyle/>
           <a:p>
+            <a:r>
+              <a:rPr lang="fr-FR"/>
+              <a:t>Soutenance de stage en entreprise - Martin BOLOT</a:t>
+            </a:r>
             <a:endParaRPr lang="en-US" dirty="0"/>
           </a:p>
         </p:txBody>
@@ -2346,7 +2366,7 @@
           <a:ln/>
           <a:extLst>
             <a:ext uri="{91240B29-F687-4f45-9708-019B960494DF}">
-              <a14:hiddenLine xmlns:a14="http://schemas.microsoft.com/office/drawing/2010/main" xmlns="" w="9525">
+              <a14:hiddenLine xmlns="" xmlns:a14="http://schemas.microsoft.com/office/drawing/2010/main" w="9525">
                 <a:solidFill>
                   <a:srgbClr val="000000"/>
                 </a:solidFill>
@@ -2472,9 +2492,9 @@
           <a:bodyPr/>
           <a:lstStyle/>
           <a:p>
-            <a:fld id="{529E437C-6926-4D4D-855D-6F4959BBC356}" type="datetime1">
+            <a:fld id="{2902E633-5320-434F-8A4A-FAD048F6167E}" type="datetime1">
               <a:rPr lang="en-US" smtClean="0"/>
-              <a:t>8/29/2016</a:t>
+              <a:t>8/30/2016</a:t>
             </a:fld>
             <a:endParaRPr lang="en-US" dirty="0"/>
           </a:p>
@@ -2495,6 +2515,10 @@
           <a:bodyPr/>
           <a:lstStyle/>
           <a:p>
+            <a:r>
+              <a:rPr lang="fr-FR"/>
+              <a:t>Soutenance de stage en entreprise - Martin BOLOT</a:t>
+            </a:r>
             <a:endParaRPr lang="en-US" dirty="0"/>
           </a:p>
         </p:txBody>
@@ -2625,7 +2649,7 @@
           <a:ln/>
           <a:extLst>
             <a:ext uri="{91240B29-F687-4f45-9708-019B960494DF}">
-              <a14:hiddenLine xmlns:a14="http://schemas.microsoft.com/office/drawing/2010/main" xmlns="" w="9525">
+              <a14:hiddenLine xmlns="" xmlns:a14="http://schemas.microsoft.com/office/drawing/2010/main" w="9525">
                 <a:solidFill>
                   <a:srgbClr val="000000"/>
                 </a:solidFill>
@@ -2751,9 +2775,9 @@
           <a:bodyPr/>
           <a:lstStyle/>
           <a:p>
-            <a:fld id="{DC728542-3D26-437F-B136-0895A0EDA59E}" type="datetime1">
+            <a:fld id="{0706CF5F-6A13-41C5-B89D-90C8E7D7EEFD}" type="datetime1">
               <a:rPr lang="en-US" smtClean="0"/>
-              <a:t>8/29/2016</a:t>
+              <a:t>8/30/2016</a:t>
             </a:fld>
             <a:endParaRPr lang="en-US" dirty="0"/>
           </a:p>
@@ -2774,6 +2798,10 @@
           <a:bodyPr/>
           <a:lstStyle/>
           <a:p>
+            <a:r>
+              <a:rPr lang="fr-FR"/>
+              <a:t>Soutenance de stage en entreprise - Martin BOLOT</a:t>
+            </a:r>
             <a:endParaRPr lang="en-US" dirty="0"/>
           </a:p>
         </p:txBody>
@@ -3090,9 +3118,9 @@
           <a:bodyPr/>
           <a:lstStyle/>
           <a:p>
-            <a:fld id="{C307296C-244B-4794-BC02-7013F2BB64B7}" type="datetime1">
+            <a:fld id="{535DCE55-8965-4940-A8AA-7159F1F70491}" type="datetime1">
               <a:rPr lang="en-US" smtClean="0"/>
-              <a:t>8/29/2016</a:t>
+              <a:t>8/30/2016</a:t>
             </a:fld>
             <a:endParaRPr lang="en-US" dirty="0"/>
           </a:p>
@@ -3113,6 +3141,10 @@
           <a:bodyPr/>
           <a:lstStyle/>
           <a:p>
+            <a:r>
+              <a:rPr lang="fr-FR"/>
+              <a:t>Soutenance de stage en entreprise - Martin BOLOT</a:t>
+            </a:r>
             <a:endParaRPr lang="en-US" dirty="0"/>
           </a:p>
         </p:txBody>
@@ -3243,7 +3275,7 @@
           <a:ln/>
           <a:extLst>
             <a:ext uri="{91240B29-F687-4f45-9708-019B960494DF}">
-              <a14:hiddenLine xmlns:a14="http://schemas.microsoft.com/office/drawing/2010/main" xmlns="" w="9525">
+              <a14:hiddenLine xmlns="" xmlns:a14="http://schemas.microsoft.com/office/drawing/2010/main" w="9525">
                 <a:solidFill>
                   <a:srgbClr val="000000"/>
                 </a:solidFill>
@@ -3425,9 +3457,9 @@
           <a:bodyPr/>
           <a:lstStyle/>
           <a:p>
-            <a:fld id="{BBD09A86-4465-4DED-9FCA-7BB7C7E5D64E}" type="datetime1">
+            <a:fld id="{2CA4A4E3-FA00-4875-86F3-AB250EDBC052}" type="datetime1">
               <a:rPr lang="en-US" smtClean="0"/>
-              <a:t>8/29/2016</a:t>
+              <a:t>8/30/2016</a:t>
             </a:fld>
             <a:endParaRPr lang="en-US" dirty="0"/>
           </a:p>
@@ -3448,6 +3480,10 @@
           <a:bodyPr/>
           <a:lstStyle/>
           <a:p>
+            <a:r>
+              <a:rPr lang="fr-FR"/>
+              <a:t>Soutenance de stage en entreprise - Martin BOLOT</a:t>
+            </a:r>
             <a:endParaRPr lang="en-US" dirty="0"/>
           </a:p>
         </p:txBody>
@@ -3578,7 +3614,7 @@
           <a:ln/>
           <a:extLst>
             <a:ext uri="{91240B29-F687-4f45-9708-019B960494DF}">
-              <a14:hiddenLine xmlns:a14="http://schemas.microsoft.com/office/drawing/2010/main" xmlns="" w="9525">
+              <a14:hiddenLine xmlns="" xmlns:a14="http://schemas.microsoft.com/office/drawing/2010/main" w="9525">
                 <a:solidFill>
                   <a:srgbClr val="000000"/>
                 </a:solidFill>
@@ -3898,9 +3934,9 @@
           <a:bodyPr/>
           <a:lstStyle/>
           <a:p>
-            <a:fld id="{5AF3477A-2715-43E1-A878-2F4A93FE8BE0}" type="datetime1">
+            <a:fld id="{D66CEEB3-7C14-4293-989A-509B4834928F}" type="datetime1">
               <a:rPr lang="en-US" smtClean="0"/>
-              <a:t>8/29/2016</a:t>
+              <a:t>8/30/2016</a:t>
             </a:fld>
             <a:endParaRPr lang="en-US" dirty="0"/>
           </a:p>
@@ -3921,6 +3957,10 @@
           <a:bodyPr/>
           <a:lstStyle/>
           <a:p>
+            <a:r>
+              <a:rPr lang="fr-FR"/>
+              <a:t>Soutenance de stage en entreprise - Martin BOLOT</a:t>
+            </a:r>
             <a:endParaRPr lang="en-US" dirty="0"/>
           </a:p>
         </p:txBody>
@@ -4051,7 +4091,7 @@
           <a:ln/>
           <a:extLst>
             <a:ext uri="{91240B29-F687-4f45-9708-019B960494DF}">
-              <a14:hiddenLine xmlns:a14="http://schemas.microsoft.com/office/drawing/2010/main" xmlns="" w="9525">
+              <a14:hiddenLine xmlns="" xmlns:a14="http://schemas.microsoft.com/office/drawing/2010/main" w="9525">
                 <a:solidFill>
                   <a:srgbClr val="000000"/>
                 </a:solidFill>
@@ -4115,9 +4155,9 @@
           <a:bodyPr/>
           <a:lstStyle/>
           <a:p>
-            <a:fld id="{44FBA4D1-49DC-49C6-AB19-F9D339949CA5}" type="datetime1">
+            <a:fld id="{0C7EA777-E675-4A2D-A0FB-6A67CE4C4AE5}" type="datetime1">
               <a:rPr lang="en-US" smtClean="0"/>
-              <a:t>8/29/2016</a:t>
+              <a:t>8/30/2016</a:t>
             </a:fld>
             <a:endParaRPr lang="en-US" dirty="0"/>
           </a:p>
@@ -4138,6 +4178,10 @@
           <a:bodyPr/>
           <a:lstStyle/>
           <a:p>
+            <a:r>
+              <a:rPr lang="fr-FR"/>
+              <a:t>Soutenance de stage en entreprise - Martin BOLOT</a:t>
+            </a:r>
             <a:endParaRPr lang="en-US" dirty="0"/>
           </a:p>
         </p:txBody>
@@ -4206,9 +4250,9 @@
           <a:bodyPr/>
           <a:lstStyle/>
           <a:p>
-            <a:fld id="{A8A38DB8-5E36-49F7-9198-2795B2D4B58E}" type="datetime1">
+            <a:fld id="{661C1289-07AA-4AAF-A492-62F51D7525EA}" type="datetime1">
               <a:rPr lang="en-US" smtClean="0"/>
-              <a:t>8/29/2016</a:t>
+              <a:t>8/30/2016</a:t>
             </a:fld>
             <a:endParaRPr lang="en-US" dirty="0"/>
           </a:p>
@@ -4229,6 +4273,10 @@
           <a:bodyPr/>
           <a:lstStyle/>
           <a:p>
+            <a:r>
+              <a:rPr lang="fr-FR"/>
+              <a:t>Soutenance de stage en entreprise - Martin BOLOT</a:t>
+            </a:r>
             <a:endParaRPr lang="en-US" dirty="0"/>
           </a:p>
         </p:txBody>
@@ -4472,7 +4520,7 @@
           <a:ln/>
           <a:extLst>
             <a:ext uri="{91240B29-F687-4f45-9708-019B960494DF}">
-              <a14:hiddenLine xmlns:a14="http://schemas.microsoft.com/office/drawing/2010/main" xmlns="" w="9525">
+              <a14:hiddenLine xmlns="" xmlns:a14="http://schemas.microsoft.com/office/drawing/2010/main" w="9525">
                 <a:solidFill>
                   <a:srgbClr val="000000"/>
                 </a:solidFill>
@@ -4669,9 +4717,9 @@
           <a:bodyPr/>
           <a:lstStyle/>
           <a:p>
-            <a:fld id="{4F74C367-B738-4DFE-8B5A-1D731A81C08A}" type="datetime1">
+            <a:fld id="{9815AC99-1DC9-4089-9020-66980F373AAE}" type="datetime1">
               <a:rPr lang="en-US" smtClean="0"/>
-              <a:t>8/29/2016</a:t>
+              <a:t>8/30/2016</a:t>
             </a:fld>
             <a:endParaRPr lang="en-US" dirty="0"/>
           </a:p>
@@ -4692,6 +4740,10 @@
           <a:bodyPr/>
           <a:lstStyle/>
           <a:p>
+            <a:r>
+              <a:rPr lang="fr-FR"/>
+              <a:t>Soutenance de stage en entreprise - Martin BOLOT</a:t>
+            </a:r>
             <a:endParaRPr lang="en-US" dirty="0"/>
           </a:p>
         </p:txBody>
@@ -4978,9 +5030,9 @@
           <a:bodyPr/>
           <a:lstStyle/>
           <a:p>
-            <a:fld id="{B1359FD5-1921-40BD-8EFE-971A1144B8CC}" type="datetime1">
+            <a:fld id="{32C53350-1EC2-438F-A620-3F507503D82A}" type="datetime1">
               <a:rPr lang="en-US" smtClean="0"/>
-              <a:t>8/29/2016</a:t>
+              <a:t>8/30/2016</a:t>
             </a:fld>
             <a:endParaRPr lang="en-US" dirty="0"/>
           </a:p>
@@ -5006,6 +5058,10 @@
           <a:bodyPr/>
           <a:lstStyle/>
           <a:p>
+            <a:r>
+              <a:rPr lang="fr-FR"/>
+              <a:t>Soutenance de stage en entreprise - Martin BOLOT</a:t>
+            </a:r>
             <a:endParaRPr lang="en-US" dirty="0"/>
           </a:p>
         </p:txBody>
@@ -5209,6 +5265,10 @@
             </a:lvl1pPr>
           </a:lstStyle>
           <a:p>
+            <a:r>
+              <a:rPr lang="fr-FR"/>
+              <a:t>Soutenance de stage en entreprise - Martin BOLOT</a:t>
+            </a:r>
             <a:endParaRPr lang="en-US" dirty="0"/>
           </a:p>
         </p:txBody>
@@ -5244,9 +5304,9 @@
             </a:lvl1pPr>
           </a:lstStyle>
           <a:p>
-            <a:fld id="{B88EBC77-A7B9-4146-B5E5-DC4ED5D57AF8}" type="datetime1">
+            <a:fld id="{08021A3A-4303-434D-A659-B517DFB79706}" type="datetime1">
               <a:rPr lang="en-US" smtClean="0"/>
-              <a:t>8/29/2016</a:t>
+              <a:t>8/30/2016</a:t>
             </a:fld>
             <a:endParaRPr lang="en-US" dirty="0"/>
           </a:p>
@@ -5311,7 +5371,7 @@
     <p:sldLayoutId id="2147483658" r:id="rId13"/>
     <p:sldLayoutId id="2147483659" r:id="rId14"/>
   </p:sldLayoutIdLst>
-  <p:hf hdr="0" ftr="0" dt="0"/>
+  <p:hf hdr="0" dt="0"/>
   <p:txStyles>
     <p:titleStyle>
       <a:lvl1pPr algn="l" defTabSz="457200" rtl="0" eaLnBrk="1" latinLnBrk="0" hangingPunct="1">
@@ -5781,7 +5841,12 @@
             <p:ph type="sldNum" sz="quarter" idx="12"/>
           </p:nvPr>
         </p:nvSpPr>
-        <p:spPr/>
+        <p:spPr>
+          <a:xfrm>
+            <a:off x="11039057" y="6301781"/>
+            <a:ext cx="1062155" cy="490599"/>
+          </a:xfrm>
+        </p:spPr>
         <p:txBody>
           <a:bodyPr/>
           <a:lstStyle/>
@@ -5909,7 +5974,12 @@
             <p:ph type="sldNum" sz="quarter" idx="12"/>
           </p:nvPr>
         </p:nvSpPr>
-        <p:spPr/>
+        <p:spPr>
+          <a:xfrm>
+            <a:off x="11077649" y="6281013"/>
+            <a:ext cx="1062155" cy="490599"/>
+          </a:xfrm>
+        </p:spPr>
         <p:txBody>
           <a:bodyPr/>
           <a:lstStyle/>
@@ -5919,6 +5989,34 @@
               <a:pPr/>
               <a:t>10</a:t>
             </a:fld>
+            <a:endParaRPr lang="en-US" dirty="0"/>
+          </a:p>
+        </p:txBody>
+      </p:sp>
+      <p:sp>
+        <p:nvSpPr>
+          <p:cNvPr id="5" name="Espace réservé du pied de page 4"/>
+          <p:cNvSpPr>
+            <a:spLocks noGrp="1"/>
+          </p:cNvSpPr>
+          <p:nvPr>
+            <p:ph type="ftr" sz="quarter" idx="11"/>
+          </p:nvPr>
+        </p:nvSpPr>
+        <p:spPr>
+          <a:xfrm>
+            <a:off x="99177" y="6406487"/>
+            <a:ext cx="8644320" cy="365125"/>
+          </a:xfrm>
+        </p:spPr>
+        <p:txBody>
+          <a:bodyPr/>
+          <a:lstStyle/>
+          <a:p>
+            <a:r>
+              <a:rPr lang="fr-FR" dirty="0"/>
+              <a:t>Soutenance de stage en entreprise - Martin BOLOT</a:t>
+            </a:r>
             <a:endParaRPr lang="en-US" dirty="0"/>
           </a:p>
         </p:txBody>
@@ -5963,7 +6061,12 @@
             <p:ph type="sldNum" sz="quarter" idx="12"/>
           </p:nvPr>
         </p:nvSpPr>
-        <p:spPr/>
+        <p:spPr>
+          <a:xfrm>
+            <a:off x="11047446" y="6299394"/>
+            <a:ext cx="1062155" cy="490599"/>
+          </a:xfrm>
+        </p:spPr>
         <p:txBody>
           <a:bodyPr/>
           <a:lstStyle/>
@@ -6063,6 +6166,34 @@
           </a:prstGeom>
         </p:spPr>
       </p:pic>
+      <p:sp>
+        <p:nvSpPr>
+          <p:cNvPr id="2" name="Espace réservé du pied de page 1"/>
+          <p:cNvSpPr>
+            <a:spLocks noGrp="1"/>
+          </p:cNvSpPr>
+          <p:nvPr>
+            <p:ph type="ftr" sz="quarter" idx="11"/>
+          </p:nvPr>
+        </p:nvSpPr>
+        <p:spPr>
+          <a:xfrm>
+            <a:off x="19224" y="6424868"/>
+            <a:ext cx="8644320" cy="365125"/>
+          </a:xfrm>
+        </p:spPr>
+        <p:txBody>
+          <a:bodyPr/>
+          <a:lstStyle/>
+          <a:p>
+            <a:r>
+              <a:rPr lang="fr-FR" dirty="0"/>
+              <a:t>Soutenance de stage en entreprise - Martin BOLOT</a:t>
+            </a:r>
+            <a:endParaRPr lang="en-US" dirty="0"/>
+          </a:p>
+        </p:txBody>
+      </p:sp>
     </p:spTree>
     <p:extLst>
       <p:ext uri="{BB962C8B-B14F-4D97-AF65-F5344CB8AC3E}">
@@ -6195,7 +6326,12 @@
             <p:ph type="sldNum" sz="quarter" idx="12"/>
           </p:nvPr>
         </p:nvSpPr>
-        <p:spPr/>
+        <p:spPr>
+          <a:xfrm>
+            <a:off x="11039058" y="6281013"/>
+            <a:ext cx="1062155" cy="490599"/>
+          </a:xfrm>
+        </p:spPr>
         <p:txBody>
           <a:bodyPr/>
           <a:lstStyle/>
@@ -6205,6 +6341,34 @@
               <a:pPr/>
               <a:t>2</a:t>
             </a:fld>
+            <a:endParaRPr lang="en-US" dirty="0"/>
+          </a:p>
+        </p:txBody>
+      </p:sp>
+      <p:sp>
+        <p:nvSpPr>
+          <p:cNvPr id="5" name="Espace réservé du pied de page 4"/>
+          <p:cNvSpPr>
+            <a:spLocks noGrp="1"/>
+          </p:cNvSpPr>
+          <p:nvPr>
+            <p:ph type="ftr" sz="quarter" idx="11"/>
+          </p:nvPr>
+        </p:nvSpPr>
+        <p:spPr>
+          <a:xfrm>
+            <a:off x="124344" y="6406487"/>
+            <a:ext cx="8644320" cy="365125"/>
+          </a:xfrm>
+        </p:spPr>
+        <p:txBody>
+          <a:bodyPr/>
+          <a:lstStyle/>
+          <a:p>
+            <a:r>
+              <a:rPr lang="fr-FR" dirty="0"/>
+              <a:t>Soutenance de stage en entreprise - Martin BOLOT</a:t>
+            </a:r>
             <a:endParaRPr lang="en-US" dirty="0"/>
           </a:p>
         </p:txBody>
@@ -6327,7 +6491,12 @@
             <p:ph type="sldNum" sz="quarter" idx="12"/>
           </p:nvPr>
         </p:nvSpPr>
-        <p:spPr/>
+        <p:spPr>
+          <a:xfrm>
+            <a:off x="11053961" y="6281013"/>
+            <a:ext cx="1062155" cy="490599"/>
+          </a:xfrm>
+        </p:spPr>
         <p:txBody>
           <a:bodyPr/>
           <a:lstStyle/>
@@ -6365,6 +6534,34 @@
           </a:prstGeom>
         </p:spPr>
       </p:pic>
+      <p:sp>
+        <p:nvSpPr>
+          <p:cNvPr id="5" name="Espace réservé du pied de page 4"/>
+          <p:cNvSpPr>
+            <a:spLocks noGrp="1"/>
+          </p:cNvSpPr>
+          <p:nvPr>
+            <p:ph type="ftr" sz="quarter" idx="11"/>
+          </p:nvPr>
+        </p:nvSpPr>
+        <p:spPr>
+          <a:xfrm>
+            <a:off x="56518" y="6406487"/>
+            <a:ext cx="8644320" cy="365125"/>
+          </a:xfrm>
+        </p:spPr>
+        <p:txBody>
+          <a:bodyPr/>
+          <a:lstStyle/>
+          <a:p>
+            <a:r>
+              <a:rPr lang="fr-FR" dirty="0"/>
+              <a:t>Soutenance de stage en entreprise - Martin BOLOT</a:t>
+            </a:r>
+            <a:endParaRPr lang="en-US" dirty="0"/>
+          </a:p>
+        </p:txBody>
+      </p:sp>
     </p:spTree>
     <p:extLst>
       <p:ext uri="{BB962C8B-B14F-4D97-AF65-F5344CB8AC3E}">
@@ -6427,7 +6624,12 @@
             <p:ph type="sldNum" sz="quarter" idx="12"/>
           </p:nvPr>
         </p:nvSpPr>
-        <p:spPr/>
+        <p:spPr>
+          <a:xfrm>
+            <a:off x="11044543" y="6281013"/>
+            <a:ext cx="1062155" cy="490599"/>
+          </a:xfrm>
+        </p:spPr>
         <p:txBody>
           <a:bodyPr/>
           <a:lstStyle/>
@@ -6613,6 +6815,34 @@
           <a:p>
             <a:pPr algn="ctr"/>
             <a:endParaRPr lang="fr-FR"/>
+          </a:p>
+        </p:txBody>
+      </p:sp>
+      <p:sp>
+        <p:nvSpPr>
+          <p:cNvPr id="3" name="Espace réservé du pied de page 2"/>
+          <p:cNvSpPr>
+            <a:spLocks noGrp="1"/>
+          </p:cNvSpPr>
+          <p:nvPr>
+            <p:ph type="ftr" sz="quarter" idx="11"/>
+          </p:nvPr>
+        </p:nvSpPr>
+        <p:spPr>
+          <a:xfrm>
+            <a:off x="107227" y="6406487"/>
+            <a:ext cx="8644320" cy="365125"/>
+          </a:xfrm>
+        </p:spPr>
+        <p:txBody>
+          <a:bodyPr/>
+          <a:lstStyle/>
+          <a:p>
+            <a:r>
+              <a:rPr lang="fr-FR" dirty="0"/>
+              <a:t>Soutenance de stage en entreprise - Martin BOLOT</a:t>
+            </a:r>
+            <a:endParaRPr lang="en-US" dirty="0"/>
           </a:p>
         </p:txBody>
       </p:sp>
@@ -6678,7 +6908,12 @@
             <p:ph type="sldNum" sz="quarter" idx="12"/>
           </p:nvPr>
         </p:nvSpPr>
-        <p:spPr/>
+        <p:spPr>
+          <a:xfrm>
+            <a:off x="11109067" y="6343750"/>
+            <a:ext cx="1062155" cy="490599"/>
+          </a:xfrm>
+        </p:spPr>
         <p:txBody>
           <a:bodyPr/>
           <a:lstStyle/>
@@ -6773,6 +7008,34 @@
           </a:prstGeom>
         </p:spPr>
       </p:pic>
+      <p:sp>
+        <p:nvSpPr>
+          <p:cNvPr id="5" name="Espace réservé du pied de page 4"/>
+          <p:cNvSpPr>
+            <a:spLocks noGrp="1"/>
+          </p:cNvSpPr>
+          <p:nvPr>
+            <p:ph type="ftr" sz="quarter" idx="11"/>
+          </p:nvPr>
+        </p:nvSpPr>
+        <p:spPr>
+          <a:xfrm>
+            <a:off x="90788" y="6406487"/>
+            <a:ext cx="8644320" cy="365125"/>
+          </a:xfrm>
+        </p:spPr>
+        <p:txBody>
+          <a:bodyPr/>
+          <a:lstStyle/>
+          <a:p>
+            <a:r>
+              <a:rPr lang="fr-FR" dirty="0"/>
+              <a:t>Soutenance de stage en entreprise - Martin BOLOT</a:t>
+            </a:r>
+            <a:endParaRPr lang="en-US" dirty="0"/>
+          </a:p>
+        </p:txBody>
+      </p:sp>
     </p:spTree>
     <p:extLst>
       <p:ext uri="{BB962C8B-B14F-4D97-AF65-F5344CB8AC3E}">
@@ -6835,7 +7098,12 @@
             <p:ph type="sldNum" sz="quarter" idx="12"/>
           </p:nvPr>
         </p:nvSpPr>
-        <p:spPr/>
+        <p:spPr>
+          <a:xfrm>
+            <a:off x="11064224" y="6336134"/>
+            <a:ext cx="1062155" cy="490599"/>
+          </a:xfrm>
+        </p:spPr>
         <p:txBody>
           <a:bodyPr/>
           <a:lstStyle/>
@@ -6935,6 +7203,34 @@
           </a:prstGeom>
         </p:spPr>
       </p:pic>
+      <p:sp>
+        <p:nvSpPr>
+          <p:cNvPr id="3" name="Espace réservé du pied de page 2"/>
+          <p:cNvSpPr>
+            <a:spLocks noGrp="1"/>
+          </p:cNvSpPr>
+          <p:nvPr>
+            <p:ph type="ftr" sz="quarter" idx="11"/>
+          </p:nvPr>
+        </p:nvSpPr>
+        <p:spPr>
+          <a:xfrm>
+            <a:off x="74009" y="6398872"/>
+            <a:ext cx="8644320" cy="365125"/>
+          </a:xfrm>
+        </p:spPr>
+        <p:txBody>
+          <a:bodyPr/>
+          <a:lstStyle/>
+          <a:p>
+            <a:r>
+              <a:rPr lang="fr-FR" dirty="0"/>
+              <a:t>Soutenance de stage en entreprise - Martin BOLOT</a:t>
+            </a:r>
+            <a:endParaRPr lang="en-US" dirty="0"/>
+          </a:p>
+        </p:txBody>
+      </p:sp>
     </p:spTree>
     <p:extLst>
       <p:ext uri="{BB962C8B-B14F-4D97-AF65-F5344CB8AC3E}">
@@ -7053,7 +7349,12 @@
             <p:ph type="sldNum" sz="quarter" idx="12"/>
           </p:nvPr>
         </p:nvSpPr>
-        <p:spPr/>
+        <p:spPr>
+          <a:xfrm>
+            <a:off x="11012883" y="6281013"/>
+            <a:ext cx="1062155" cy="490599"/>
+          </a:xfrm>
+        </p:spPr>
         <p:txBody>
           <a:bodyPr/>
           <a:lstStyle/>
@@ -7091,6 +7392,34 @@
           </a:prstGeom>
         </p:spPr>
       </p:pic>
+      <p:sp>
+        <p:nvSpPr>
+          <p:cNvPr id="6" name="Espace réservé du pied de page 5"/>
+          <p:cNvSpPr>
+            <a:spLocks noGrp="1"/>
+          </p:cNvSpPr>
+          <p:nvPr>
+            <p:ph type="ftr" sz="quarter" idx="11"/>
+          </p:nvPr>
+        </p:nvSpPr>
+        <p:spPr>
+          <a:xfrm>
+            <a:off x="99176" y="6406487"/>
+            <a:ext cx="8644320" cy="365125"/>
+          </a:xfrm>
+        </p:spPr>
+        <p:txBody>
+          <a:bodyPr/>
+          <a:lstStyle/>
+          <a:p>
+            <a:r>
+              <a:rPr lang="fr-FR" dirty="0"/>
+              <a:t>Soutenance de stage en entreprise - Martin BOLOT</a:t>
+            </a:r>
+            <a:endParaRPr lang="en-US" dirty="0"/>
+          </a:p>
+        </p:txBody>
+      </p:sp>
     </p:spTree>
     <p:extLst>
       <p:ext uri="{BB962C8B-B14F-4D97-AF65-F5344CB8AC3E}">
@@ -7209,7 +7538,12 @@
             <p:ph type="sldNum" sz="quarter" idx="12"/>
           </p:nvPr>
         </p:nvSpPr>
-        <p:spPr/>
+        <p:spPr>
+          <a:xfrm>
+            <a:off x="11039058" y="6277348"/>
+            <a:ext cx="1062155" cy="490599"/>
+          </a:xfrm>
+        </p:spPr>
         <p:txBody>
           <a:bodyPr/>
           <a:lstStyle/>
@@ -7247,6 +7581,34 @@
           </a:prstGeom>
         </p:spPr>
       </p:pic>
+      <p:sp>
+        <p:nvSpPr>
+          <p:cNvPr id="5" name="Espace réservé du pied de page 4"/>
+          <p:cNvSpPr>
+            <a:spLocks noGrp="1"/>
+          </p:cNvSpPr>
+          <p:nvPr>
+            <p:ph type="ftr" sz="quarter" idx="11"/>
+          </p:nvPr>
+        </p:nvSpPr>
+        <p:spPr>
+          <a:xfrm>
+            <a:off x="82398" y="6402822"/>
+            <a:ext cx="8644320" cy="365125"/>
+          </a:xfrm>
+        </p:spPr>
+        <p:txBody>
+          <a:bodyPr/>
+          <a:lstStyle/>
+          <a:p>
+            <a:r>
+              <a:rPr lang="fr-FR" dirty="0"/>
+              <a:t>Soutenance de stage en entreprise - Martin BOLOT</a:t>
+            </a:r>
+            <a:endParaRPr lang="en-US" dirty="0"/>
+          </a:p>
+        </p:txBody>
+      </p:sp>
     </p:spTree>
     <p:extLst>
       <p:ext uri="{BB962C8B-B14F-4D97-AF65-F5344CB8AC3E}">
@@ -7309,7 +7671,12 @@
             <p:ph type="sldNum" sz="quarter" idx="12"/>
           </p:nvPr>
         </p:nvSpPr>
-        <p:spPr/>
+        <p:spPr>
+          <a:xfrm>
+            <a:off x="11062733" y="6329428"/>
+            <a:ext cx="1062155" cy="490599"/>
+          </a:xfrm>
+        </p:spPr>
         <p:txBody>
           <a:bodyPr/>
           <a:lstStyle/>
@@ -7411,6 +7778,34 @@
           </a:prstGeom>
         </p:spPr>
       </p:pic>
+      <p:sp>
+        <p:nvSpPr>
+          <p:cNvPr id="5" name="Espace réservé du pied de page 4"/>
+          <p:cNvSpPr>
+            <a:spLocks noGrp="1"/>
+          </p:cNvSpPr>
+          <p:nvPr>
+            <p:ph type="ftr" sz="quarter" idx="11"/>
+          </p:nvPr>
+        </p:nvSpPr>
+        <p:spPr>
+          <a:xfrm>
+            <a:off x="65621" y="6402684"/>
+            <a:ext cx="8644320" cy="365125"/>
+          </a:xfrm>
+        </p:spPr>
+        <p:txBody>
+          <a:bodyPr/>
+          <a:lstStyle/>
+          <a:p>
+            <a:r>
+              <a:rPr lang="fr-FR"/>
+              <a:t>Soutenance de stage en entreprise - Martin BOLOT</a:t>
+            </a:r>
+            <a:endParaRPr lang="en-US" dirty="0"/>
+          </a:p>
+        </p:txBody>
+      </p:sp>
     </p:spTree>
     <p:extLst>
       <p:ext uri="{BB962C8B-B14F-4D97-AF65-F5344CB8AC3E}">

--- a/Stage/Soutenance/presentation_soutenance.pptx
+++ b/Stage/Soutenance/presentation_soutenance.pptx
@@ -6893,7 +6893,7 @@
           <a:p>
             <a:r>
               <a:rPr lang="fr-FR" dirty="0"/>
-              <a:t>Tutoriels avec React-Joyride</a:t>
+              <a:t>Fenêtres modales de tutoriels</a:t>
             </a:r>
           </a:p>
         </p:txBody>
@@ -7154,24 +7154,12 @@
               </a:spcAft>
             </a:pPr>
             <a:r>
+              <a:rPr lang="fr-FR" sz="2400"/>
+              <a:t>Gestion </a:t>
+            </a:r>
+            <a:r>
               <a:rPr lang="fr-FR" sz="2400" dirty="0"/>
-              <a:t>Interaction avec un </a:t>
-            </a:r>
-            <a:r>
-              <a:rPr lang="fr-FR" sz="2400" dirty="0" err="1"/>
-              <a:t>WebWorker</a:t>
-            </a:r>
-            <a:endParaRPr lang="fr-FR" sz="2400" dirty="0"/>
-          </a:p>
-          <a:p>
-            <a:pPr>
-              <a:spcAft>
-                <a:spcPts val="2400"/>
-              </a:spcAft>
-            </a:pPr>
-            <a:r>
-              <a:rPr lang="fr-FR" sz="2400" dirty="0"/>
-              <a:t>Gestion des unités typographiques</a:t>
+              <a:t>des unités typographiques</a:t>
             </a:r>
           </a:p>
           <a:p>
@@ -7746,8 +7734,8 @@
         </p:blipFill>
         <p:spPr>
           <a:xfrm>
-            <a:off x="6760449" y="2470754"/>
-            <a:ext cx="3507676" cy="3931931"/>
+            <a:off x="7414790" y="2978221"/>
+            <a:ext cx="2989612" cy="3351207"/>
           </a:xfrm>
           <a:prstGeom prst="rect">
             <a:avLst/>
@@ -7770,8 +7758,8 @@
         </p:blipFill>
         <p:spPr>
           <a:xfrm>
-            <a:off x="1107166" y="2470753"/>
-            <a:ext cx="3901916" cy="3931931"/>
+            <a:off x="810000" y="2978221"/>
+            <a:ext cx="3325625" cy="3351207"/>
           </a:xfrm>
           <a:prstGeom prst="rect">
             <a:avLst/>
@@ -7803,6 +7791,66 @@
               <a:t>Soutenance de stage en entreprise - Martin BOLOT</a:t>
             </a:r>
             <a:endParaRPr lang="en-US" dirty="0"/>
+          </a:p>
+        </p:txBody>
+      </p:sp>
+      <p:sp>
+        <p:nvSpPr>
+          <p:cNvPr id="6" name="ZoneTexte 5"/>
+          <p:cNvSpPr txBox="1"/>
+          <p:nvPr/>
+        </p:nvSpPr>
+        <p:spPr>
+          <a:xfrm>
+            <a:off x="810000" y="2320648"/>
+            <a:ext cx="3250272" cy="523220"/>
+          </a:xfrm>
+          <a:prstGeom prst="rect">
+            <a:avLst/>
+          </a:prstGeom>
+          <a:noFill/>
+        </p:spPr>
+        <p:txBody>
+          <a:bodyPr wrap="square" rtlCol="0" anchor="b">
+            <a:spAutoFit/>
+          </a:bodyPr>
+          <a:lstStyle/>
+          <a:p>
+            <a:pPr algn="ctr"/>
+            <a:r>
+              <a:rPr lang="fr-FR" sz="2800" dirty="0"/>
+              <a:t>Problème initial</a:t>
+            </a:r>
+          </a:p>
+        </p:txBody>
+      </p:sp>
+      <p:sp>
+        <p:nvSpPr>
+          <p:cNvPr id="9" name="ZoneTexte 8"/>
+          <p:cNvSpPr txBox="1"/>
+          <p:nvPr/>
+        </p:nvSpPr>
+        <p:spPr>
+          <a:xfrm>
+            <a:off x="7414790" y="2320648"/>
+            <a:ext cx="2989612" cy="523220"/>
+          </a:xfrm>
+          <a:prstGeom prst="rect">
+            <a:avLst/>
+          </a:prstGeom>
+          <a:noFill/>
+        </p:spPr>
+        <p:txBody>
+          <a:bodyPr wrap="square" rtlCol="0" anchor="b">
+            <a:spAutoFit/>
+          </a:bodyPr>
+          <a:lstStyle/>
+          <a:p>
+            <a:pPr algn="ctr"/>
+            <a:r>
+              <a:rPr lang="fr-FR" sz="2800" dirty="0"/>
+              <a:t>Cas réduit</a:t>
+            </a:r>
           </a:p>
         </p:txBody>
       </p:sp>
